--- a/figures/figure-small-example/figure3-cycle-no-bg.pptx
+++ b/figures/figure-small-example/figure3-cycle-no-bg.pptx
@@ -222,7 +222,7 @@
           <a:p>
             <a:fld id="{6EB7A7D9-E015-6D42-BCFD-33C7B660C884}" type="datetimeFigureOut">
               <a:rPr lang="en-US" smtClean="0"/>
-              <a:t>8/15/23</a:t>
+              <a:t>10/27/23</a:t>
             </a:fld>
             <a:endParaRPr lang="en-US"/>
           </a:p>
@@ -709,7 +709,7 @@
           <a:p>
             <a:fld id="{B4970447-8C83-B347-8B06-AB59AEB01EEB}" type="datetimeFigureOut">
               <a:rPr lang="en-US" smtClean="0"/>
-              <a:t>8/15/23</a:t>
+              <a:t>10/27/23</a:t>
             </a:fld>
             <a:endParaRPr lang="en-US"/>
           </a:p>
@@ -879,7 +879,7 @@
           <a:p>
             <a:fld id="{B4970447-8C83-B347-8B06-AB59AEB01EEB}" type="datetimeFigureOut">
               <a:rPr lang="en-US" smtClean="0"/>
-              <a:t>8/15/23</a:t>
+              <a:t>10/27/23</a:t>
             </a:fld>
             <a:endParaRPr lang="en-US"/>
           </a:p>
@@ -1059,7 +1059,7 @@
           <a:p>
             <a:fld id="{B4970447-8C83-B347-8B06-AB59AEB01EEB}" type="datetimeFigureOut">
               <a:rPr lang="en-US" smtClean="0"/>
-              <a:t>8/15/23</a:t>
+              <a:t>10/27/23</a:t>
             </a:fld>
             <a:endParaRPr lang="en-US"/>
           </a:p>
@@ -1229,7 +1229,7 @@
           <a:p>
             <a:fld id="{B4970447-8C83-B347-8B06-AB59AEB01EEB}" type="datetimeFigureOut">
               <a:rPr lang="en-US" smtClean="0"/>
-              <a:t>8/15/23</a:t>
+              <a:t>10/27/23</a:t>
             </a:fld>
             <a:endParaRPr lang="en-US"/>
           </a:p>
@@ -1473,7 +1473,7 @@
           <a:p>
             <a:fld id="{B4970447-8C83-B347-8B06-AB59AEB01EEB}" type="datetimeFigureOut">
               <a:rPr lang="en-US" smtClean="0"/>
-              <a:t>8/15/23</a:t>
+              <a:t>10/27/23</a:t>
             </a:fld>
             <a:endParaRPr lang="en-US"/>
           </a:p>
@@ -1705,7 +1705,7 @@
           <a:p>
             <a:fld id="{B4970447-8C83-B347-8B06-AB59AEB01EEB}" type="datetimeFigureOut">
               <a:rPr lang="en-US" smtClean="0"/>
-              <a:t>8/15/23</a:t>
+              <a:t>10/27/23</a:t>
             </a:fld>
             <a:endParaRPr lang="en-US"/>
           </a:p>
@@ -2072,7 +2072,7 @@
           <a:p>
             <a:fld id="{B4970447-8C83-B347-8B06-AB59AEB01EEB}" type="datetimeFigureOut">
               <a:rPr lang="en-US" smtClean="0"/>
-              <a:t>8/15/23</a:t>
+              <a:t>10/27/23</a:t>
             </a:fld>
             <a:endParaRPr lang="en-US"/>
           </a:p>
@@ -2190,7 +2190,7 @@
           <a:p>
             <a:fld id="{B4970447-8C83-B347-8B06-AB59AEB01EEB}" type="datetimeFigureOut">
               <a:rPr lang="en-US" smtClean="0"/>
-              <a:t>8/15/23</a:t>
+              <a:t>10/27/23</a:t>
             </a:fld>
             <a:endParaRPr lang="en-US"/>
           </a:p>
@@ -2285,7 +2285,7 @@
           <a:p>
             <a:fld id="{B4970447-8C83-B347-8B06-AB59AEB01EEB}" type="datetimeFigureOut">
               <a:rPr lang="en-US" smtClean="0"/>
-              <a:t>8/15/23</a:t>
+              <a:t>10/27/23</a:t>
             </a:fld>
             <a:endParaRPr lang="en-US"/>
           </a:p>
@@ -2562,7 +2562,7 @@
           <a:p>
             <a:fld id="{B4970447-8C83-B347-8B06-AB59AEB01EEB}" type="datetimeFigureOut">
               <a:rPr lang="en-US" smtClean="0"/>
-              <a:t>8/15/23</a:t>
+              <a:t>10/27/23</a:t>
             </a:fld>
             <a:endParaRPr lang="en-US"/>
           </a:p>
@@ -2819,7 +2819,7 @@
           <a:p>
             <a:fld id="{B4970447-8C83-B347-8B06-AB59AEB01EEB}" type="datetimeFigureOut">
               <a:rPr lang="en-US" smtClean="0"/>
-              <a:t>8/15/23</a:t>
+              <a:t>10/27/23</a:t>
             </a:fld>
             <a:endParaRPr lang="en-US"/>
           </a:p>
@@ -3032,7 +3032,7 @@
           <a:p>
             <a:fld id="{B4970447-8C83-B347-8B06-AB59AEB01EEB}" type="datetimeFigureOut">
               <a:rPr lang="en-US" smtClean="0"/>
-              <a:t>8/15/23</a:t>
+              <a:t>10/27/23</a:t>
             </a:fld>
             <a:endParaRPr lang="en-US"/>
           </a:p>
@@ -4037,10 +4037,10 @@
         </p:nvGrpSpPr>
         <p:grpSpPr>
           <a:xfrm>
-            <a:off x="275779" y="-1980"/>
-            <a:ext cx="1609715" cy="955846"/>
-            <a:chOff x="-111080" y="-1980"/>
-            <a:chExt cx="1609715" cy="955846"/>
+            <a:off x="-1595989" y="-1980"/>
+            <a:ext cx="3481483" cy="955846"/>
+            <a:chOff x="-1982848" y="-1980"/>
+            <a:chExt cx="3481483" cy="955846"/>
           </a:xfrm>
         </p:grpSpPr>
         <p:sp>
@@ -4149,6 +4149,204 @@
           <p:spPr>
             <a:xfrm>
               <a:off x="53340" y="89355"/>
+              <a:ext cx="1445295" cy="830997"/>
+            </a:xfrm>
+            <a:prstGeom prst="rect">
+              <a:avLst/>
+            </a:prstGeom>
+            <a:noFill/>
+          </p:spPr>
+          <p:txBody>
+            <a:bodyPr wrap="square" rtlCol="0">
+              <a:spAutoFit/>
+            </a:bodyPr>
+            <a:lstStyle/>
+            <a:p>
+              <a:pPr marL="114300" indent="-114300">
+                <a:buSzPct val="150000"/>
+                <a:buFont typeface="Arial" panose="020B0604020202020204" pitchFamily="34" charset="0"/>
+                <a:buChar char="•"/>
+                <a:defRPr/>
+              </a:pPr>
+              <a:r>
+                <a:rPr lang="en-US" sz="800" i="1" dirty="0">
+                  <a:solidFill>
+                    <a:prstClr val="black"/>
+                  </a:solidFill>
+                  <a:latin typeface="Helvetica Light Oblique" panose="020B0403020202020204" pitchFamily="34" charset="0"/>
+                </a:rPr>
+                <a:t>P. tibialis </a:t>
+              </a:r>
+            </a:p>
+            <a:p>
+              <a:pPr marL="114300" indent="-114300">
+                <a:buSzPct val="150000"/>
+                <a:buFont typeface="Arial" panose="020B0604020202020204" pitchFamily="34" charset="0"/>
+                <a:buChar char="•"/>
+                <a:defRPr/>
+              </a:pPr>
+              <a:r>
+                <a:rPr lang="en-US" sz="800" i="1" dirty="0">
+                  <a:solidFill>
+                    <a:prstClr val="black"/>
+                  </a:solidFill>
+                  <a:latin typeface="Helvetica Light Oblique" panose="020B0403020202020204" pitchFamily="34" charset="0"/>
+                </a:rPr>
+                <a:t>R. </a:t>
+              </a:r>
+              <a:r>
+                <a:rPr lang="en-US" sz="800" i="1" dirty="0" err="1">
+                  <a:solidFill>
+                    <a:prstClr val="black"/>
+                  </a:solidFill>
+                  <a:latin typeface="Helvetica Light Oblique" panose="020B0403020202020204" pitchFamily="34" charset="0"/>
+                </a:rPr>
+                <a:t>celaeno</a:t>
+              </a:r>
+              <a:endParaRPr lang="en-US" sz="800" i="1" dirty="0">
+                <a:solidFill>
+                  <a:prstClr val="black"/>
+                </a:solidFill>
+                <a:latin typeface="Helvetica Light Oblique" panose="020B0403020202020204" pitchFamily="34" charset="0"/>
+              </a:endParaRPr>
+            </a:p>
+            <a:p>
+              <a:pPr marL="114300" indent="-114300">
+                <a:buSzPct val="150000"/>
+                <a:buFont typeface="Arial" panose="020B0604020202020204" pitchFamily="34" charset="0"/>
+                <a:buChar char="•"/>
+                <a:defRPr/>
+              </a:pPr>
+              <a:r>
+                <a:rPr lang="en-US" sz="800" i="1" dirty="0">
+                  <a:solidFill>
+                    <a:prstClr val="black"/>
+                  </a:solidFill>
+                  <a:latin typeface="Helvetica Light Oblique" panose="020B0403020202020204" pitchFamily="34" charset="0"/>
+                </a:rPr>
+                <a:t>E. </a:t>
+              </a:r>
+              <a:r>
+                <a:rPr lang="en-US" sz="800" i="1" dirty="0" err="1">
+                  <a:solidFill>
+                    <a:prstClr val="black"/>
+                  </a:solidFill>
+                  <a:latin typeface="Helvetica Light Oblique" panose="020B0403020202020204" pitchFamily="34" charset="0"/>
+                </a:rPr>
+                <a:t>citrinella</a:t>
+              </a:r>
+              <a:endParaRPr lang="en-US" sz="800" i="1" dirty="0">
+                <a:solidFill>
+                  <a:prstClr val="black"/>
+                </a:solidFill>
+                <a:latin typeface="Helvetica Light Oblique" panose="020B0403020202020204" pitchFamily="34" charset="0"/>
+              </a:endParaRPr>
+            </a:p>
+            <a:p>
+              <a:pPr marL="114300" indent="-114300">
+                <a:buSzPct val="150000"/>
+                <a:buFont typeface="Arial" panose="020B0604020202020204" pitchFamily="34" charset="0"/>
+                <a:buChar char="•"/>
+                <a:defRPr/>
+              </a:pPr>
+              <a:r>
+                <a:rPr lang="en-US" sz="800" i="1" dirty="0">
+                  <a:solidFill>
+                    <a:prstClr val="black"/>
+                  </a:solidFill>
+                  <a:latin typeface="Helvetica Light Oblique" panose="020B0403020202020204" pitchFamily="34" charset="0"/>
+                </a:rPr>
+                <a:t>E. </a:t>
+              </a:r>
+              <a:r>
+                <a:rPr lang="en-US" sz="800" i="1" dirty="0" err="1">
+                  <a:solidFill>
+                    <a:prstClr val="black"/>
+                  </a:solidFill>
+                  <a:latin typeface="Helvetica Light Oblique" panose="020B0403020202020204" pitchFamily="34" charset="0"/>
+                </a:rPr>
+                <a:t>leucocephalos</a:t>
+              </a:r>
+              <a:endParaRPr lang="en-US" sz="800" i="1" dirty="0">
+                <a:solidFill>
+                  <a:prstClr val="black"/>
+                </a:solidFill>
+                <a:latin typeface="Helvetica Light Oblique" panose="020B0403020202020204" pitchFamily="34" charset="0"/>
+              </a:endParaRPr>
+            </a:p>
+            <a:p>
+              <a:pPr marL="114300" indent="-114300">
+                <a:buSzPct val="150000"/>
+                <a:defRPr/>
+              </a:pPr>
+              <a:r>
+                <a:rPr lang="en-US" sz="800" i="1" dirty="0">
+                  <a:solidFill>
+                    <a:prstClr val="black"/>
+                  </a:solidFill>
+                  <a:latin typeface="Helvetica Light Oblique" panose="020B0403020202020204" pitchFamily="34" charset="0"/>
+                </a:rPr>
+                <a:t>    E. </a:t>
+              </a:r>
+              <a:r>
+                <a:rPr lang="en-US" sz="800" i="1" dirty="0">
+                  <a:solidFill>
+                    <a:prstClr val="black"/>
+                  </a:solidFill>
+                  <a:latin typeface="Helvetica Light Oblique" panose="020B0403020202020204" pitchFamily="34" charset="0"/>
+                </a:rPr>
+                <a:t>elegans</a:t>
+              </a:r>
+            </a:p>
+            <a:p>
+              <a:pPr marL="114300" indent="-114300">
+                <a:buSzPct val="150000"/>
+                <a:buFont typeface="Arial" panose="020B0604020202020204" pitchFamily="34" charset="0"/>
+                <a:buChar char="•"/>
+                <a:defRPr/>
+              </a:pPr>
+              <a:r>
+                <a:rPr lang="en-US" sz="800" i="1" dirty="0">
+                  <a:solidFill>
+                    <a:prstClr val="black"/>
+                  </a:solidFill>
+                  <a:latin typeface="Helvetica Light Oblique" panose="020B0403020202020204" pitchFamily="34" charset="0"/>
+                </a:rPr>
+                <a:t>P. </a:t>
+              </a:r>
+              <a:r>
+                <a:rPr lang="en-US" sz="800" i="1" dirty="0" err="1">
+                  <a:solidFill>
+                    <a:prstClr val="black"/>
+                  </a:solidFill>
+                  <a:latin typeface="Helvetica Light Oblique" panose="020B0403020202020204" pitchFamily="34" charset="0"/>
+                </a:rPr>
+                <a:t>crassirostris</a:t>
+              </a:r>
+              <a:endParaRPr lang="en-US" sz="800" i="1" dirty="0">
+                <a:solidFill>
+                  <a:prstClr val="black"/>
+                </a:solidFill>
+                <a:latin typeface="Helvetica Light Oblique" panose="020B0403020202020204" pitchFamily="34" charset="0"/>
+              </a:endParaRPr>
+            </a:p>
+          </p:txBody>
+        </p:sp>
+        <p:sp>
+          <p:nvSpPr>
+            <p:cNvPr id="25" name="TextBox 24">
+              <a:extLst>
+                <a:ext uri="{FF2B5EF4-FFF2-40B4-BE49-F238E27FC236}">
+                  <a16:creationId xmlns:a16="http://schemas.microsoft.com/office/drawing/2014/main" id="{8484D642-BE02-763F-DC5D-DAAF8CA8F3F2}"/>
+                </a:ext>
+              </a:extLst>
+            </p:cNvPr>
+            <p:cNvSpPr txBox="1"/>
+            <p:nvPr/>
+          </p:nvSpPr>
+          <p:spPr>
+            <a:xfrm>
+              <a:off x="-1982848" y="109738"/>
               <a:ext cx="1445295" cy="830997"/>
             </a:xfrm>
             <a:prstGeom prst="rect">
@@ -4307,20 +4505,9 @@
               </a:endParaRPr>
             </a:p>
             <a:p>
-              <a:pPr marL="58738" indent="-46038">
-                <a:buFont typeface="Arial" panose="020B0604020202020204" pitchFamily="34" charset="0"/>
-                <a:buChar char="•"/>
+              <a:pPr marL="12700">
                 <a:defRPr/>
               </a:pPr>
-              <a:r>
-                <a:rPr lang="en-US" sz="800" b="1" i="1" dirty="0" err="1">
-                  <a:solidFill>
-                    <a:prstClr val="black"/>
-                  </a:solidFill>
-                  <a:latin typeface="HELVETICA LIGHT OBLIQUE" panose="020B0403020202020204" pitchFamily="34" charset="0"/>
-                </a:rPr>
-                <a:t>Emberiza</a:t>
-              </a:r>
               <a:r>
                 <a:rPr lang="en-US" sz="800" b="1" i="1" dirty="0">
                   <a:solidFill>
@@ -4328,7 +4515,34 @@
                   </a:solidFill>
                   <a:latin typeface="HELVETICA LIGHT OBLIQUE" panose="020B0403020202020204" pitchFamily="34" charset="0"/>
                 </a:rPr>
-                <a:t> elegans</a:t>
+                <a:t>*</a:t>
+              </a:r>
+              <a:r>
+                <a:rPr lang="en-US" sz="800" i="1" dirty="0" err="1">
+                  <a:solidFill>
+                    <a:prstClr val="black"/>
+                  </a:solidFill>
+                  <a:latin typeface="Helvetica Light Oblique" panose="020B0403020202020204" pitchFamily="34" charset="0"/>
+                </a:rPr>
+                <a:t>Emberiza</a:t>
+              </a:r>
+              <a:r>
+                <a:rPr lang="en-US" sz="800" i="1" dirty="0">
+                  <a:solidFill>
+                    <a:prstClr val="black"/>
+                  </a:solidFill>
+                  <a:latin typeface="Helvetica Light Oblique" panose="020B0403020202020204" pitchFamily="34" charset="0"/>
+                </a:rPr>
+                <a:t> </a:t>
+              </a:r>
+              <a:r>
+                <a:rPr lang="en-US" sz="800" i="1" dirty="0">
+                  <a:solidFill>
+                    <a:prstClr val="black"/>
+                  </a:solidFill>
+                  <a:latin typeface="Helvetica Light Oblique" panose="020B0403020202020204" pitchFamily="34" charset="0"/>
+                </a:rPr>
+                <a:t>elegans</a:t>
               </a:r>
             </a:p>
             <a:p>
@@ -4441,209 +4655,6 @@
             <a:pPr algn="ctr"/>
             <a:endParaRPr lang="en-US" sz="406" dirty="0">
               <a:latin typeface="Helvetica Light" panose="020B0403020202020204" pitchFamily="34" charset="0"/>
-            </a:endParaRPr>
-          </a:p>
-        </p:txBody>
-      </p:sp>
-      <p:sp>
-        <p:nvSpPr>
-          <p:cNvPr id="92" name="TextBox 91">
-            <a:extLst>
-              <a:ext uri="{FF2B5EF4-FFF2-40B4-BE49-F238E27FC236}">
-                <a16:creationId xmlns:a16="http://schemas.microsoft.com/office/drawing/2014/main" id="{11DEF1F2-224E-2636-B1DE-32298E9ADC2C}"/>
-              </a:ext>
-            </a:extLst>
-          </p:cNvPr>
-          <p:cNvSpPr txBox="1"/>
-          <p:nvPr/>
-        </p:nvSpPr>
-        <p:spPr>
-          <a:xfrm>
-            <a:off x="2555162" y="83069"/>
-            <a:ext cx="1344721" cy="830997"/>
-          </a:xfrm>
-          <a:prstGeom prst="rect">
-            <a:avLst/>
-          </a:prstGeom>
-          <a:noFill/>
-        </p:spPr>
-        <p:txBody>
-          <a:bodyPr wrap="square" rtlCol="0">
-            <a:spAutoFit/>
-          </a:bodyPr>
-          <a:lstStyle/>
-          <a:p>
-            <a:pPr marL="58738" indent="-39688">
-              <a:buFont typeface="Arial" panose="020B0604020202020204" pitchFamily="34" charset="0"/>
-              <a:buChar char="•"/>
-              <a:defRPr/>
-            </a:pPr>
-            <a:r>
-              <a:rPr lang="en-US" sz="800" i="1" dirty="0">
-                <a:solidFill>
-                  <a:prstClr val="black"/>
-                </a:solidFill>
-                <a:latin typeface="Helvetica Light Oblique" panose="020B0403020202020204" pitchFamily="34" charset="0"/>
-              </a:rPr>
-              <a:t>P. tibialis </a:t>
-            </a:r>
-          </a:p>
-          <a:p>
-            <a:pPr marL="58738" indent="-39688">
-              <a:buFont typeface="Arial" panose="020B0604020202020204" pitchFamily="34" charset="0"/>
-              <a:buChar char="•"/>
-              <a:defRPr/>
-            </a:pPr>
-            <a:r>
-              <a:rPr lang="en-US" sz="800" i="1" dirty="0">
-                <a:solidFill>
-                  <a:prstClr val="black"/>
-                </a:solidFill>
-                <a:latin typeface="Helvetica Light Oblique" panose="020B0403020202020204" pitchFamily="34" charset="0"/>
-              </a:rPr>
-              <a:t>R. </a:t>
-            </a:r>
-            <a:r>
-              <a:rPr lang="en-US" sz="800" i="1" dirty="0" err="1">
-                <a:solidFill>
-                  <a:prstClr val="black"/>
-                </a:solidFill>
-                <a:latin typeface="Helvetica Light Oblique" panose="020B0403020202020204" pitchFamily="34" charset="0"/>
-              </a:rPr>
-              <a:t>celaeno</a:t>
-            </a:r>
-            <a:endParaRPr lang="en-US" sz="800" i="1" dirty="0">
-              <a:solidFill>
-                <a:prstClr val="black"/>
-              </a:solidFill>
-              <a:latin typeface="Helvetica Light Oblique" panose="020B0403020202020204" pitchFamily="34" charset="0"/>
-            </a:endParaRPr>
-          </a:p>
-          <a:p>
-            <a:pPr marL="58738" indent="-39688">
-              <a:buFont typeface="Arial" panose="020B0604020202020204" pitchFamily="34" charset="0"/>
-              <a:buChar char="•"/>
-              <a:defRPr/>
-            </a:pPr>
-            <a:r>
-              <a:rPr lang="en-US" sz="800" i="1" dirty="0">
-                <a:solidFill>
-                  <a:prstClr val="black"/>
-                </a:solidFill>
-                <a:latin typeface="Helvetica Light Oblique" panose="020B0403020202020204" pitchFamily="34" charset="0"/>
-              </a:rPr>
-              <a:t>E. </a:t>
-            </a:r>
-            <a:r>
-              <a:rPr lang="en-US" sz="800" i="1" dirty="0" err="1">
-                <a:solidFill>
-                  <a:prstClr val="black"/>
-                </a:solidFill>
-                <a:latin typeface="Helvetica Light Oblique" panose="020B0403020202020204" pitchFamily="34" charset="0"/>
-              </a:rPr>
-              <a:t>citrinella</a:t>
-            </a:r>
-            <a:endParaRPr lang="en-US" sz="800" i="1" dirty="0">
-              <a:solidFill>
-                <a:prstClr val="black"/>
-              </a:solidFill>
-              <a:latin typeface="Helvetica Light Oblique" panose="020B0403020202020204" pitchFamily="34" charset="0"/>
-            </a:endParaRPr>
-          </a:p>
-          <a:p>
-            <a:pPr marL="58738" indent="-39688">
-              <a:buFont typeface="Arial" panose="020B0604020202020204" pitchFamily="34" charset="0"/>
-              <a:buChar char="•"/>
-              <a:defRPr/>
-            </a:pPr>
-            <a:r>
-              <a:rPr lang="en-US" sz="800" i="1" dirty="0">
-                <a:solidFill>
-                  <a:prstClr val="black"/>
-                </a:solidFill>
-                <a:latin typeface="Helvetica Light Oblique" panose="020B0403020202020204" pitchFamily="34" charset="0"/>
-              </a:rPr>
-              <a:t>E. </a:t>
-            </a:r>
-            <a:r>
-              <a:rPr lang="en-US" sz="800" i="1" dirty="0" err="1">
-                <a:solidFill>
-                  <a:prstClr val="black"/>
-                </a:solidFill>
-                <a:latin typeface="Helvetica Light Oblique" panose="020B0403020202020204" pitchFamily="34" charset="0"/>
-              </a:rPr>
-              <a:t>leucocephalos</a:t>
-            </a:r>
-            <a:endParaRPr lang="en-US" sz="800" i="1" dirty="0">
-              <a:solidFill>
-                <a:prstClr val="black"/>
-              </a:solidFill>
-              <a:latin typeface="Helvetica Light Oblique" panose="020B0403020202020204" pitchFamily="34" charset="0"/>
-            </a:endParaRPr>
-          </a:p>
-          <a:p>
-            <a:pPr marL="58738" indent="-39688">
-              <a:buFont typeface="Arial" panose="020B0604020202020204" pitchFamily="34" charset="0"/>
-              <a:buChar char="•"/>
-              <a:defRPr/>
-            </a:pPr>
-            <a:r>
-              <a:rPr lang="en-US" sz="800" i="1" dirty="0">
-                <a:solidFill>
-                  <a:prstClr val="black"/>
-                </a:solidFill>
-                <a:latin typeface="Helvetica Light Oblique" panose="020B0403020202020204" pitchFamily="34" charset="0"/>
-              </a:rPr>
-              <a:t> </a:t>
-            </a:r>
-            <a:r>
-              <a:rPr lang="en-US" sz="800" b="1" i="1" dirty="0" err="1">
-                <a:solidFill>
-                  <a:prstClr val="black"/>
-                </a:solidFill>
-                <a:latin typeface="HELVETICA LIGHT OBLIQUE" panose="020B0403020202020204" pitchFamily="34" charset="0"/>
-              </a:rPr>
-              <a:t>Schoeniclus</a:t>
-            </a:r>
-            <a:r>
-              <a:rPr lang="en-US" sz="800" b="1" i="1" dirty="0">
-                <a:solidFill>
-                  <a:prstClr val="black"/>
-                </a:solidFill>
-                <a:latin typeface="Helvetica Light Oblique" panose="020B0403020202020204" pitchFamily="34" charset="0"/>
-              </a:rPr>
-              <a:t> elegans</a:t>
-            </a:r>
-          </a:p>
-          <a:p>
-            <a:pPr marL="58738" indent="-39688">
-              <a:buFont typeface="Arial" panose="020B0604020202020204" pitchFamily="34" charset="0"/>
-              <a:buChar char="•"/>
-              <a:defRPr/>
-            </a:pPr>
-            <a:r>
-              <a:rPr lang="en-US" sz="800" i="1" dirty="0">
-                <a:solidFill>
-                  <a:prstClr val="black"/>
-                </a:solidFill>
-                <a:latin typeface="Helvetica Light Oblique" panose="020B0403020202020204" pitchFamily="34" charset="0"/>
-              </a:rPr>
-              <a:t>P. </a:t>
-            </a:r>
-            <a:r>
-              <a:rPr lang="en-US" sz="800" i="1" dirty="0" err="1">
-                <a:solidFill>
-                  <a:prstClr val="black"/>
-                </a:solidFill>
-                <a:latin typeface="Helvetica Light Oblique" panose="020B0403020202020204" pitchFamily="34" charset="0"/>
-              </a:rPr>
-              <a:t>crassirostris</a:t>
-            </a:r>
-            <a:endParaRPr lang="en-US" sz="800" i="1" dirty="0">
-              <a:solidFill>
-                <a:prstClr val="black"/>
-              </a:solidFill>
-              <a:latin typeface="Helvetica Light Oblique" panose="020B0403020202020204" pitchFamily="34" charset="0"/>
             </a:endParaRPr>
           </a:p>
         </p:txBody>
@@ -8425,7 +8436,7 @@
         </p:blipFill>
         <p:spPr bwMode="auto">
           <a:xfrm>
-            <a:off x="4395605" y="871307"/>
+            <a:off x="4430774" y="847861"/>
             <a:ext cx="548640" cy="283337"/>
           </a:xfrm>
           <a:prstGeom prst="rect">
@@ -8443,6 +8454,274 @@
           </a:extLst>
         </p:spPr>
       </p:pic>
+      <p:sp>
+        <p:nvSpPr>
+          <p:cNvPr id="27" name="TextBox 26">
+            <a:extLst>
+              <a:ext uri="{FF2B5EF4-FFF2-40B4-BE49-F238E27FC236}">
+                <a16:creationId xmlns:a16="http://schemas.microsoft.com/office/drawing/2014/main" id="{584F09F7-662D-94E6-2F4A-8F355255C5ED}"/>
+              </a:ext>
+            </a:extLst>
+          </p:cNvPr>
+          <p:cNvSpPr txBox="1"/>
+          <p:nvPr/>
+        </p:nvSpPr>
+        <p:spPr>
+          <a:xfrm>
+            <a:off x="440199" y="574074"/>
+            <a:ext cx="248786" cy="246221"/>
+          </a:xfrm>
+          <a:prstGeom prst="rect">
+            <a:avLst/>
+          </a:prstGeom>
+          <a:noFill/>
+        </p:spPr>
+        <p:txBody>
+          <a:bodyPr wrap="none" rtlCol="0">
+            <a:spAutoFit/>
+          </a:bodyPr>
+          <a:lstStyle/>
+          <a:p>
+            <a:r>
+              <a:rPr lang="en-US" sz="1000" dirty="0"/>
+              <a:t>*</a:t>
+            </a:r>
+          </a:p>
+        </p:txBody>
+      </p:sp>
+      <p:sp>
+        <p:nvSpPr>
+          <p:cNvPr id="28" name="TextBox 27">
+            <a:extLst>
+              <a:ext uri="{FF2B5EF4-FFF2-40B4-BE49-F238E27FC236}">
+                <a16:creationId xmlns:a16="http://schemas.microsoft.com/office/drawing/2014/main" id="{DFB5AB4C-591E-1CC9-31E1-21133A16125C}"/>
+              </a:ext>
+            </a:extLst>
+          </p:cNvPr>
+          <p:cNvSpPr txBox="1"/>
+          <p:nvPr/>
+        </p:nvSpPr>
+        <p:spPr>
+          <a:xfrm>
+            <a:off x="2602380" y="71820"/>
+            <a:ext cx="1445295" cy="830997"/>
+          </a:xfrm>
+          <a:prstGeom prst="rect">
+            <a:avLst/>
+          </a:prstGeom>
+          <a:noFill/>
+        </p:spPr>
+        <p:txBody>
+          <a:bodyPr wrap="square" rtlCol="0">
+            <a:spAutoFit/>
+          </a:bodyPr>
+          <a:lstStyle/>
+          <a:p>
+            <a:pPr marL="114300" indent="-114300">
+              <a:buSzPct val="150000"/>
+              <a:buFont typeface="Arial" panose="020B0604020202020204" pitchFamily="34" charset="0"/>
+              <a:buChar char="•"/>
+              <a:defRPr/>
+            </a:pPr>
+            <a:r>
+              <a:rPr lang="en-US" sz="800" i="1" dirty="0">
+                <a:solidFill>
+                  <a:prstClr val="black"/>
+                </a:solidFill>
+                <a:latin typeface="Helvetica Light Oblique" panose="020B0403020202020204" pitchFamily="34" charset="0"/>
+              </a:rPr>
+              <a:t>P. tibialis </a:t>
+            </a:r>
+          </a:p>
+          <a:p>
+            <a:pPr marL="114300" indent="-114300">
+              <a:buSzPct val="150000"/>
+              <a:buFont typeface="Arial" panose="020B0604020202020204" pitchFamily="34" charset="0"/>
+              <a:buChar char="•"/>
+              <a:defRPr/>
+            </a:pPr>
+            <a:r>
+              <a:rPr lang="en-US" sz="800" i="1" dirty="0">
+                <a:solidFill>
+                  <a:prstClr val="black"/>
+                </a:solidFill>
+                <a:latin typeface="Helvetica Light Oblique" panose="020B0403020202020204" pitchFamily="34" charset="0"/>
+              </a:rPr>
+              <a:t>R. </a:t>
+            </a:r>
+            <a:r>
+              <a:rPr lang="en-US" sz="800" i="1" dirty="0" err="1">
+                <a:solidFill>
+                  <a:prstClr val="black"/>
+                </a:solidFill>
+                <a:latin typeface="Helvetica Light Oblique" panose="020B0403020202020204" pitchFamily="34" charset="0"/>
+              </a:rPr>
+              <a:t>celaeno</a:t>
+            </a:r>
+            <a:endParaRPr lang="en-US" sz="800" i="1" dirty="0">
+              <a:solidFill>
+                <a:prstClr val="black"/>
+              </a:solidFill>
+              <a:latin typeface="Helvetica Light Oblique" panose="020B0403020202020204" pitchFamily="34" charset="0"/>
+            </a:endParaRPr>
+          </a:p>
+          <a:p>
+            <a:pPr marL="114300" indent="-114300">
+              <a:buSzPct val="150000"/>
+              <a:buFont typeface="Arial" panose="020B0604020202020204" pitchFamily="34" charset="0"/>
+              <a:buChar char="•"/>
+              <a:defRPr/>
+            </a:pPr>
+            <a:r>
+              <a:rPr lang="en-US" sz="800" i="1" dirty="0">
+                <a:solidFill>
+                  <a:prstClr val="black"/>
+                </a:solidFill>
+                <a:latin typeface="Helvetica Light Oblique" panose="020B0403020202020204" pitchFamily="34" charset="0"/>
+              </a:rPr>
+              <a:t>E. </a:t>
+            </a:r>
+            <a:r>
+              <a:rPr lang="en-US" sz="800" i="1" dirty="0" err="1">
+                <a:solidFill>
+                  <a:prstClr val="black"/>
+                </a:solidFill>
+                <a:latin typeface="Helvetica Light Oblique" panose="020B0403020202020204" pitchFamily="34" charset="0"/>
+              </a:rPr>
+              <a:t>citrinella</a:t>
+            </a:r>
+            <a:endParaRPr lang="en-US" sz="800" i="1" dirty="0">
+              <a:solidFill>
+                <a:prstClr val="black"/>
+              </a:solidFill>
+              <a:latin typeface="Helvetica Light Oblique" panose="020B0403020202020204" pitchFamily="34" charset="0"/>
+            </a:endParaRPr>
+          </a:p>
+          <a:p>
+            <a:pPr marL="114300" indent="-114300">
+              <a:buSzPct val="150000"/>
+              <a:buFont typeface="Arial" panose="020B0604020202020204" pitchFamily="34" charset="0"/>
+              <a:buChar char="•"/>
+              <a:defRPr/>
+            </a:pPr>
+            <a:r>
+              <a:rPr lang="en-US" sz="800" i="1" dirty="0">
+                <a:solidFill>
+                  <a:prstClr val="black"/>
+                </a:solidFill>
+                <a:latin typeface="Helvetica Light Oblique" panose="020B0403020202020204" pitchFamily="34" charset="0"/>
+              </a:rPr>
+              <a:t>E. </a:t>
+            </a:r>
+            <a:r>
+              <a:rPr lang="en-US" sz="800" i="1" dirty="0" err="1">
+                <a:solidFill>
+                  <a:prstClr val="black"/>
+                </a:solidFill>
+                <a:latin typeface="Helvetica Light Oblique" panose="020B0403020202020204" pitchFamily="34" charset="0"/>
+              </a:rPr>
+              <a:t>leucocephalos</a:t>
+            </a:r>
+            <a:endParaRPr lang="en-US" sz="800" i="1" dirty="0">
+              <a:solidFill>
+                <a:prstClr val="black"/>
+              </a:solidFill>
+              <a:latin typeface="Helvetica Light Oblique" panose="020B0403020202020204" pitchFamily="34" charset="0"/>
+            </a:endParaRPr>
+          </a:p>
+          <a:p>
+            <a:pPr marL="114300" indent="-114300">
+              <a:buSzPct val="150000"/>
+              <a:defRPr/>
+            </a:pPr>
+            <a:r>
+              <a:rPr lang="en-US" sz="800" i="1" dirty="0">
+                <a:solidFill>
+                  <a:prstClr val="black"/>
+                </a:solidFill>
+                <a:latin typeface="Helvetica Light Oblique" panose="020B0403020202020204" pitchFamily="34" charset="0"/>
+              </a:rPr>
+              <a:t>    S. </a:t>
+            </a:r>
+            <a:r>
+              <a:rPr lang="en-US" sz="800" i="1" dirty="0">
+                <a:solidFill>
+                  <a:prstClr val="black"/>
+                </a:solidFill>
+                <a:latin typeface="Helvetica Light Oblique" panose="020B0403020202020204" pitchFamily="34" charset="0"/>
+              </a:rPr>
+              <a:t>elegans</a:t>
+            </a:r>
+          </a:p>
+          <a:p>
+            <a:pPr marL="114300" indent="-114300">
+              <a:buSzPct val="150000"/>
+              <a:buFont typeface="Arial" panose="020B0604020202020204" pitchFamily="34" charset="0"/>
+              <a:buChar char="•"/>
+              <a:defRPr/>
+            </a:pPr>
+            <a:r>
+              <a:rPr lang="en-US" sz="800" i="1" dirty="0">
+                <a:solidFill>
+                  <a:prstClr val="black"/>
+                </a:solidFill>
+                <a:latin typeface="Helvetica Light Oblique" panose="020B0403020202020204" pitchFamily="34" charset="0"/>
+              </a:rPr>
+              <a:t>P. </a:t>
+            </a:r>
+            <a:r>
+              <a:rPr lang="en-US" sz="800" i="1" dirty="0" err="1">
+                <a:solidFill>
+                  <a:prstClr val="black"/>
+                </a:solidFill>
+                <a:latin typeface="Helvetica Light Oblique" panose="020B0403020202020204" pitchFamily="34" charset="0"/>
+              </a:rPr>
+              <a:t>crassirostris</a:t>
+            </a:r>
+            <a:endParaRPr lang="en-US" sz="800" i="1" dirty="0">
+              <a:solidFill>
+                <a:prstClr val="black"/>
+              </a:solidFill>
+              <a:latin typeface="Helvetica Light Oblique" panose="020B0403020202020204" pitchFamily="34" charset="0"/>
+            </a:endParaRPr>
+          </a:p>
+        </p:txBody>
+      </p:sp>
+      <p:sp>
+        <p:nvSpPr>
+          <p:cNvPr id="29" name="TextBox 28">
+            <a:extLst>
+              <a:ext uri="{FF2B5EF4-FFF2-40B4-BE49-F238E27FC236}">
+                <a16:creationId xmlns:a16="http://schemas.microsoft.com/office/drawing/2014/main" id="{6FDF37CC-E783-A086-8B00-73D87B18AE25}"/>
+              </a:ext>
+            </a:extLst>
+          </p:cNvPr>
+          <p:cNvSpPr txBox="1"/>
+          <p:nvPr/>
+        </p:nvSpPr>
+        <p:spPr>
+          <a:xfrm>
+            <a:off x="2600733" y="555059"/>
+            <a:ext cx="248786" cy="246221"/>
+          </a:xfrm>
+          <a:prstGeom prst="rect">
+            <a:avLst/>
+          </a:prstGeom>
+          <a:noFill/>
+        </p:spPr>
+        <p:txBody>
+          <a:bodyPr wrap="none" rtlCol="0">
+            <a:spAutoFit/>
+          </a:bodyPr>
+          <a:lstStyle/>
+          <a:p>
+            <a:r>
+              <a:rPr lang="en-US" sz="1000" dirty="0"/>
+              <a:t>*</a:t>
+            </a:r>
+          </a:p>
+        </p:txBody>
+      </p:sp>
     </p:spTree>
     <p:extLst>
       <p:ext uri="{BB962C8B-B14F-4D97-AF65-F5344CB8AC3E}">

--- a/figures/figure-small-example/figure3-cycle-no-bg.pptx
+++ b/figures/figure-small-example/figure3-cycle-no-bg.pptx
@@ -222,7 +222,7 @@
           <a:p>
             <a:fld id="{6EB7A7D9-E015-6D42-BCFD-33C7B660C884}" type="datetimeFigureOut">
               <a:rPr lang="en-US" smtClean="0"/>
-              <a:t>10/27/23</a:t>
+              <a:t>11/7/23</a:t>
             </a:fld>
             <a:endParaRPr lang="en-US"/>
           </a:p>
@@ -709,7 +709,7 @@
           <a:p>
             <a:fld id="{B4970447-8C83-B347-8B06-AB59AEB01EEB}" type="datetimeFigureOut">
               <a:rPr lang="en-US" smtClean="0"/>
-              <a:t>10/27/23</a:t>
+              <a:t>11/7/23</a:t>
             </a:fld>
             <a:endParaRPr lang="en-US"/>
           </a:p>
@@ -879,7 +879,7 @@
           <a:p>
             <a:fld id="{B4970447-8C83-B347-8B06-AB59AEB01EEB}" type="datetimeFigureOut">
               <a:rPr lang="en-US" smtClean="0"/>
-              <a:t>10/27/23</a:t>
+              <a:t>11/7/23</a:t>
             </a:fld>
             <a:endParaRPr lang="en-US"/>
           </a:p>
@@ -1059,7 +1059,7 @@
           <a:p>
             <a:fld id="{B4970447-8C83-B347-8B06-AB59AEB01EEB}" type="datetimeFigureOut">
               <a:rPr lang="en-US" smtClean="0"/>
-              <a:t>10/27/23</a:t>
+              <a:t>11/7/23</a:t>
             </a:fld>
             <a:endParaRPr lang="en-US"/>
           </a:p>
@@ -1229,7 +1229,7 @@
           <a:p>
             <a:fld id="{B4970447-8C83-B347-8B06-AB59AEB01EEB}" type="datetimeFigureOut">
               <a:rPr lang="en-US" smtClean="0"/>
-              <a:t>10/27/23</a:t>
+              <a:t>11/7/23</a:t>
             </a:fld>
             <a:endParaRPr lang="en-US"/>
           </a:p>
@@ -1473,7 +1473,7 @@
           <a:p>
             <a:fld id="{B4970447-8C83-B347-8B06-AB59AEB01EEB}" type="datetimeFigureOut">
               <a:rPr lang="en-US" smtClean="0"/>
-              <a:t>10/27/23</a:t>
+              <a:t>11/7/23</a:t>
             </a:fld>
             <a:endParaRPr lang="en-US"/>
           </a:p>
@@ -1705,7 +1705,7 @@
           <a:p>
             <a:fld id="{B4970447-8C83-B347-8B06-AB59AEB01EEB}" type="datetimeFigureOut">
               <a:rPr lang="en-US" smtClean="0"/>
-              <a:t>10/27/23</a:t>
+              <a:t>11/7/23</a:t>
             </a:fld>
             <a:endParaRPr lang="en-US"/>
           </a:p>
@@ -2072,7 +2072,7 @@
           <a:p>
             <a:fld id="{B4970447-8C83-B347-8B06-AB59AEB01EEB}" type="datetimeFigureOut">
               <a:rPr lang="en-US" smtClean="0"/>
-              <a:t>10/27/23</a:t>
+              <a:t>11/7/23</a:t>
             </a:fld>
             <a:endParaRPr lang="en-US"/>
           </a:p>
@@ -2190,7 +2190,7 @@
           <a:p>
             <a:fld id="{B4970447-8C83-B347-8B06-AB59AEB01EEB}" type="datetimeFigureOut">
               <a:rPr lang="en-US" smtClean="0"/>
-              <a:t>10/27/23</a:t>
+              <a:t>11/7/23</a:t>
             </a:fld>
             <a:endParaRPr lang="en-US"/>
           </a:p>
@@ -2285,7 +2285,7 @@
           <a:p>
             <a:fld id="{B4970447-8C83-B347-8B06-AB59AEB01EEB}" type="datetimeFigureOut">
               <a:rPr lang="en-US" smtClean="0"/>
-              <a:t>10/27/23</a:t>
+              <a:t>11/7/23</a:t>
             </a:fld>
             <a:endParaRPr lang="en-US"/>
           </a:p>
@@ -2562,7 +2562,7 @@
           <a:p>
             <a:fld id="{B4970447-8C83-B347-8B06-AB59AEB01EEB}" type="datetimeFigureOut">
               <a:rPr lang="en-US" smtClean="0"/>
-              <a:t>10/27/23</a:t>
+              <a:t>11/7/23</a:t>
             </a:fld>
             <a:endParaRPr lang="en-US"/>
           </a:p>
@@ -2819,7 +2819,7 @@
           <a:p>
             <a:fld id="{B4970447-8C83-B347-8B06-AB59AEB01EEB}" type="datetimeFigureOut">
               <a:rPr lang="en-US" smtClean="0"/>
-              <a:t>10/27/23</a:t>
+              <a:t>11/7/23</a:t>
             </a:fld>
             <a:endParaRPr lang="en-US"/>
           </a:p>
@@ -3032,7 +3032,7 @@
           <a:p>
             <a:fld id="{B4970447-8C83-B347-8B06-AB59AEB01EEB}" type="datetimeFigureOut">
               <a:rPr lang="en-US" smtClean="0"/>
-              <a:t>10/27/23</a:t>
+              <a:t>11/7/23</a:t>
             </a:fld>
             <a:endParaRPr lang="en-US"/>
           </a:p>
@@ -3634,7 +3634,7 @@
         <p:spPr>
           <a:xfrm>
             <a:off x="28190" y="1310933"/>
-            <a:ext cx="6147120" cy="4122021"/>
+            <a:ext cx="6046074" cy="3999607"/>
           </a:xfrm>
           <a:prstGeom prst="rect">
             <a:avLst/>
@@ -3726,7 +3726,7 @@
         </p:nvCxnSpPr>
         <p:spPr>
           <a:xfrm>
-            <a:off x="6600168" y="1183587"/>
+            <a:off x="6600168" y="1195310"/>
             <a:ext cx="0" cy="4682094"/>
           </a:xfrm>
           <a:prstGeom prst="straightConnector1">
@@ -3771,8 +3771,8 @@
         </p:nvCxnSpPr>
         <p:spPr>
           <a:xfrm>
-            <a:off x="1803433" y="481408"/>
-            <a:ext cx="603504" cy="0"/>
+            <a:off x="2002724" y="481408"/>
+            <a:ext cx="548640" cy="0"/>
           </a:xfrm>
           <a:prstGeom prst="straightConnector1">
             <a:avLst/>
@@ -3814,7 +3814,7 @@
         </p:nvSpPr>
         <p:spPr>
           <a:xfrm>
-            <a:off x="2369188" y="-2631"/>
+            <a:off x="2509864" y="44261"/>
             <a:ext cx="330540" cy="276999"/>
           </a:xfrm>
           <a:prstGeom prst="rect">
@@ -4037,10 +4037,10 @@
         </p:nvGrpSpPr>
         <p:grpSpPr>
           <a:xfrm>
-            <a:off x="-1595989" y="-1980"/>
-            <a:ext cx="3481483" cy="955846"/>
-            <a:chOff x="-1982848" y="-1980"/>
-            <a:chExt cx="3481483" cy="955846"/>
+            <a:off x="-1551430" y="33086"/>
+            <a:ext cx="3636215" cy="920780"/>
+            <a:chOff x="-2137580" y="33086"/>
+            <a:chExt cx="3636215" cy="920780"/>
           </a:xfrm>
         </p:grpSpPr>
         <p:sp>
@@ -4057,8 +4057,8 @@
           </p:nvSpPr>
           <p:spPr>
             <a:xfrm>
-              <a:off x="-62051" y="33086"/>
-              <a:ext cx="1470850" cy="920780"/>
+              <a:off x="180131" y="33086"/>
+              <a:ext cx="1228667" cy="920780"/>
             </a:xfrm>
             <a:prstGeom prst="rect">
               <a:avLst/>
@@ -4111,7 +4111,7 @@
           </p:nvSpPr>
           <p:spPr>
             <a:xfrm>
-              <a:off x="-111080" y="-1980"/>
+              <a:off x="135103" y="33189"/>
               <a:ext cx="320922" cy="276999"/>
             </a:xfrm>
             <a:prstGeom prst="rect">
@@ -4148,8 +4148,8 @@
           </p:nvSpPr>
           <p:spPr>
             <a:xfrm>
-              <a:off x="53340" y="89355"/>
-              <a:ext cx="1445295" cy="830997"/>
+              <a:off x="309901" y="89355"/>
+              <a:ext cx="1188734" cy="830997"/>
             </a:xfrm>
             <a:prstGeom prst="rect">
               <a:avLst/>
@@ -4286,16 +4286,7 @@
                   </a:solidFill>
                   <a:latin typeface="Helvetica Light Oblique" panose="020B0403020202020204" pitchFamily="34" charset="0"/>
                 </a:rPr>
-                <a:t>    E. </a:t>
-              </a:r>
-              <a:r>
-                <a:rPr lang="en-US" sz="800" i="1" dirty="0">
-                  <a:solidFill>
-                    <a:prstClr val="black"/>
-                  </a:solidFill>
-                  <a:latin typeface="Helvetica Light Oblique" panose="020B0403020202020204" pitchFamily="34" charset="0"/>
-                </a:rPr>
-                <a:t>elegans</a:t>
+                <a:t>    E. elegans</a:t>
               </a:r>
             </a:p>
             <a:p>
@@ -4346,7 +4337,7 @@
           </p:nvSpPr>
           <p:spPr>
             <a:xfrm>
-              <a:off x="-1982848" y="109738"/>
+              <a:off x="-2137580" y="65909"/>
               <a:ext cx="1445295" cy="830997"/>
             </a:xfrm>
             <a:prstGeom prst="rect">
@@ -4533,16 +4524,7 @@
                   </a:solidFill>
                   <a:latin typeface="Helvetica Light Oblique" panose="020B0403020202020204" pitchFamily="34" charset="0"/>
                 </a:rPr>
-                <a:t> </a:t>
-              </a:r>
-              <a:r>
-                <a:rPr lang="en-US" sz="800" i="1" dirty="0">
-                  <a:solidFill>
-                    <a:prstClr val="black"/>
-                  </a:solidFill>
-                  <a:latin typeface="Helvetica Light Oblique" panose="020B0403020202020204" pitchFamily="34" charset="0"/>
-                </a:rPr>
-                <a:t>elegans</a:t>
+                <a:t> elegans</a:t>
               </a:r>
             </a:p>
             <a:p>
@@ -4710,7 +4692,7 @@
         </p:nvCxnSpPr>
         <p:spPr>
           <a:xfrm flipH="1">
-            <a:off x="3079322" y="979706"/>
+            <a:off x="3208275" y="979706"/>
             <a:ext cx="0" cy="344176"/>
           </a:xfrm>
           <a:prstGeom prst="straightConnector1">
@@ -4865,8 +4847,8 @@
         </p:nvSpPr>
         <p:spPr>
           <a:xfrm>
-            <a:off x="2406710" y="31228"/>
-            <a:ext cx="1367313" cy="920780"/>
+            <a:off x="2547219" y="31228"/>
+            <a:ext cx="1273696" cy="920780"/>
           </a:xfrm>
           <a:prstGeom prst="rect">
             <a:avLst/>
@@ -4916,15 +4898,13 @@
           </p:cNvPr>
           <p:cNvCxnSpPr>
             <a:cxnSpLocks/>
-            <a:stCxn id="165" idx="3"/>
-            <a:endCxn id="73" idx="1"/>
           </p:cNvCxnSpPr>
           <p:nvPr/>
         </p:nvCxnSpPr>
         <p:spPr>
           <a:xfrm>
-            <a:off x="3774023" y="491618"/>
-            <a:ext cx="600857" cy="0"/>
+            <a:off x="3820915" y="491618"/>
+            <a:ext cx="548640" cy="0"/>
           </a:xfrm>
           <a:prstGeom prst="straightConnector1">
             <a:avLst/>
@@ -5112,8 +5092,8 @@
         </p:nvCxnSpPr>
         <p:spPr>
           <a:xfrm>
-            <a:off x="6175310" y="3371944"/>
-            <a:ext cx="233073" cy="2511266"/>
+            <a:off x="6074264" y="3310737"/>
+            <a:ext cx="334119" cy="2572473"/>
           </a:xfrm>
           <a:prstGeom prst="bentConnector2">
             <a:avLst/>
@@ -7762,8 +7742,8 @@
         </p:blipFill>
         <p:spPr>
           <a:xfrm>
-            <a:off x="602613" y="5764181"/>
-            <a:ext cx="945874" cy="412018"/>
+            <a:off x="602613" y="5683151"/>
+            <a:ext cx="1131896" cy="493048"/>
           </a:xfrm>
           <a:prstGeom prst="rect">
             <a:avLst/>
@@ -7797,8 +7777,8 @@
         </p:blipFill>
         <p:spPr>
           <a:xfrm>
-            <a:off x="436014" y="6341513"/>
-            <a:ext cx="1777620" cy="1109711"/>
+            <a:off x="259281" y="6288738"/>
+            <a:ext cx="1933174" cy="1206818"/>
           </a:xfrm>
           <a:prstGeom prst="rect">
             <a:avLst/>
@@ -8436,7 +8416,7 @@
         </p:blipFill>
         <p:spPr bwMode="auto">
           <a:xfrm>
-            <a:off x="4430774" y="847861"/>
+            <a:off x="4622869" y="39335"/>
             <a:ext cx="548640" cy="283337"/>
           </a:xfrm>
           <a:prstGeom prst="rect">
@@ -8468,7 +8448,7 @@
         </p:nvSpPr>
         <p:spPr>
           <a:xfrm>
-            <a:off x="440199" y="574074"/>
+            <a:off x="885673" y="574074"/>
             <a:ext cx="248786" cy="246221"/>
           </a:xfrm>
           <a:prstGeom prst="rect">
@@ -8503,7 +8483,7 @@
         </p:nvSpPr>
         <p:spPr>
           <a:xfrm>
-            <a:off x="2602380" y="71820"/>
+            <a:off x="2707887" y="71820"/>
             <a:ext cx="1445295" cy="830997"/>
           </a:xfrm>
           <a:prstGeom prst="rect">
@@ -8641,16 +8621,7 @@
                 </a:solidFill>
                 <a:latin typeface="Helvetica Light Oblique" panose="020B0403020202020204" pitchFamily="34" charset="0"/>
               </a:rPr>
-              <a:t>    S. </a:t>
-            </a:r>
-            <a:r>
-              <a:rPr lang="en-US" sz="800" i="1" dirty="0">
-                <a:solidFill>
-                  <a:prstClr val="black"/>
-                </a:solidFill>
-                <a:latin typeface="Helvetica Light Oblique" panose="020B0403020202020204" pitchFamily="34" charset="0"/>
-              </a:rPr>
-              <a:t>elegans</a:t>
+              <a:t>    S. elegans</a:t>
             </a:r>
           </a:p>
           <a:p>
@@ -8701,7 +8672,7 @@
         </p:nvSpPr>
         <p:spPr>
           <a:xfrm>
-            <a:off x="2600733" y="555059"/>
+            <a:off x="2706240" y="555059"/>
             <a:ext cx="248786" cy="246221"/>
           </a:xfrm>
           <a:prstGeom prst="rect">
@@ -8722,6 +8693,81 @@
           </a:p>
         </p:txBody>
       </p:sp>
+      <p:cxnSp>
+        <p:nvCxnSpPr>
+          <p:cNvPr id="32" name="Straight Arrow Connector 31">
+            <a:extLst>
+              <a:ext uri="{FF2B5EF4-FFF2-40B4-BE49-F238E27FC236}">
+                <a16:creationId xmlns:a16="http://schemas.microsoft.com/office/drawing/2014/main" id="{7E9A9436-3100-2DA5-A3F6-AF77245A9AAD}"/>
+              </a:ext>
+            </a:extLst>
+          </p:cNvPr>
+          <p:cNvCxnSpPr>
+            <a:cxnSpLocks/>
+          </p:cNvCxnSpPr>
+          <p:nvPr/>
+        </p:nvCxnSpPr>
+        <p:spPr>
+          <a:xfrm flipV="1">
+            <a:off x="4036580" y="1064810"/>
+            <a:ext cx="338300" cy="226994"/>
+          </a:xfrm>
+          <a:prstGeom prst="straightConnector1">
+            <a:avLst/>
+          </a:prstGeom>
+          <a:ln w="19050">
+            <a:solidFill>
+              <a:schemeClr val="accent3"/>
+            </a:solidFill>
+            <a:headEnd type="oval"/>
+            <a:tailEnd type="arrow"/>
+          </a:ln>
+        </p:spPr>
+        <p:style>
+          <a:lnRef idx="1">
+            <a:schemeClr val="accent1"/>
+          </a:lnRef>
+          <a:fillRef idx="0">
+            <a:schemeClr val="accent1"/>
+          </a:fillRef>
+          <a:effectRef idx="0">
+            <a:schemeClr val="accent1"/>
+          </a:effectRef>
+          <a:fontRef idx="minor">
+            <a:schemeClr val="tx1"/>
+          </a:fontRef>
+        </p:style>
+      </p:cxnSp>
+      <p:pic>
+        <p:nvPicPr>
+          <p:cNvPr id="31" name="Picture 30" descr="A green lines on a black background&#10;&#10;Description automatically generated">
+            <a:extLst>
+              <a:ext uri="{FF2B5EF4-FFF2-40B4-BE49-F238E27FC236}">
+                <a16:creationId xmlns:a16="http://schemas.microsoft.com/office/drawing/2014/main" id="{BE1AB28D-8990-FE70-1BED-082DBF506DC4}"/>
+              </a:ext>
+            </a:extLst>
+          </p:cNvPr>
+          <p:cNvPicPr>
+            <a:picLocks noChangeAspect="1"/>
+          </p:cNvPicPr>
+          <p:nvPr/>
+        </p:nvPicPr>
+        <p:blipFill>
+          <a:blip r:embed="rId31"/>
+          <a:stretch>
+            <a:fillRect/>
+          </a:stretch>
+        </p:blipFill>
+        <p:spPr>
+          <a:xfrm>
+            <a:off x="20574" y="5416"/>
+            <a:ext cx="629173" cy="328979"/>
+          </a:xfrm>
+          <a:prstGeom prst="rect">
+            <a:avLst/>
+          </a:prstGeom>
+        </p:spPr>
+      </p:pic>
     </p:spTree>
     <p:extLst>
       <p:ext uri="{BB962C8B-B14F-4D97-AF65-F5344CB8AC3E}">

--- a/figures/figure-small-example/figure3-cycle-no-bg.pptx
+++ b/figures/figure-small-example/figure3-cycle-no-bg.pptx
@@ -222,7 +222,7 @@
           <a:p>
             <a:fld id="{6EB7A7D9-E015-6D42-BCFD-33C7B660C884}" type="datetimeFigureOut">
               <a:rPr lang="en-US" smtClean="0"/>
-              <a:t>11/7/23</a:t>
+              <a:t>3/8/24</a:t>
             </a:fld>
             <a:endParaRPr lang="en-US"/>
           </a:p>
@@ -709,7 +709,7 @@
           <a:p>
             <a:fld id="{B4970447-8C83-B347-8B06-AB59AEB01EEB}" type="datetimeFigureOut">
               <a:rPr lang="en-US" smtClean="0"/>
-              <a:t>11/7/23</a:t>
+              <a:t>3/8/24</a:t>
             </a:fld>
             <a:endParaRPr lang="en-US"/>
           </a:p>
@@ -879,7 +879,7 @@
           <a:p>
             <a:fld id="{B4970447-8C83-B347-8B06-AB59AEB01EEB}" type="datetimeFigureOut">
               <a:rPr lang="en-US" smtClean="0"/>
-              <a:t>11/7/23</a:t>
+              <a:t>3/8/24</a:t>
             </a:fld>
             <a:endParaRPr lang="en-US"/>
           </a:p>
@@ -1059,7 +1059,7 @@
           <a:p>
             <a:fld id="{B4970447-8C83-B347-8B06-AB59AEB01EEB}" type="datetimeFigureOut">
               <a:rPr lang="en-US" smtClean="0"/>
-              <a:t>11/7/23</a:t>
+              <a:t>3/8/24</a:t>
             </a:fld>
             <a:endParaRPr lang="en-US"/>
           </a:p>
@@ -1229,7 +1229,7 @@
           <a:p>
             <a:fld id="{B4970447-8C83-B347-8B06-AB59AEB01EEB}" type="datetimeFigureOut">
               <a:rPr lang="en-US" smtClean="0"/>
-              <a:t>11/7/23</a:t>
+              <a:t>3/8/24</a:t>
             </a:fld>
             <a:endParaRPr lang="en-US"/>
           </a:p>
@@ -1473,7 +1473,7 @@
           <a:p>
             <a:fld id="{B4970447-8C83-B347-8B06-AB59AEB01EEB}" type="datetimeFigureOut">
               <a:rPr lang="en-US" smtClean="0"/>
-              <a:t>11/7/23</a:t>
+              <a:t>3/8/24</a:t>
             </a:fld>
             <a:endParaRPr lang="en-US"/>
           </a:p>
@@ -1705,7 +1705,7 @@
           <a:p>
             <a:fld id="{B4970447-8C83-B347-8B06-AB59AEB01EEB}" type="datetimeFigureOut">
               <a:rPr lang="en-US" smtClean="0"/>
-              <a:t>11/7/23</a:t>
+              <a:t>3/8/24</a:t>
             </a:fld>
             <a:endParaRPr lang="en-US"/>
           </a:p>
@@ -2072,7 +2072,7 @@
           <a:p>
             <a:fld id="{B4970447-8C83-B347-8B06-AB59AEB01EEB}" type="datetimeFigureOut">
               <a:rPr lang="en-US" smtClean="0"/>
-              <a:t>11/7/23</a:t>
+              <a:t>3/8/24</a:t>
             </a:fld>
             <a:endParaRPr lang="en-US"/>
           </a:p>
@@ -2190,7 +2190,7 @@
           <a:p>
             <a:fld id="{B4970447-8C83-B347-8B06-AB59AEB01EEB}" type="datetimeFigureOut">
               <a:rPr lang="en-US" smtClean="0"/>
-              <a:t>11/7/23</a:t>
+              <a:t>3/8/24</a:t>
             </a:fld>
             <a:endParaRPr lang="en-US"/>
           </a:p>
@@ -2285,7 +2285,7 @@
           <a:p>
             <a:fld id="{B4970447-8C83-B347-8B06-AB59AEB01EEB}" type="datetimeFigureOut">
               <a:rPr lang="en-US" smtClean="0"/>
-              <a:t>11/7/23</a:t>
+              <a:t>3/8/24</a:t>
             </a:fld>
             <a:endParaRPr lang="en-US"/>
           </a:p>
@@ -2562,7 +2562,7 @@
           <a:p>
             <a:fld id="{B4970447-8C83-B347-8B06-AB59AEB01EEB}" type="datetimeFigureOut">
               <a:rPr lang="en-US" smtClean="0"/>
-              <a:t>11/7/23</a:t>
+              <a:t>3/8/24</a:t>
             </a:fld>
             <a:endParaRPr lang="en-US"/>
           </a:p>
@@ -2819,7 +2819,7 @@
           <a:p>
             <a:fld id="{B4970447-8C83-B347-8B06-AB59AEB01EEB}" type="datetimeFigureOut">
               <a:rPr lang="en-US" smtClean="0"/>
-              <a:t>11/7/23</a:t>
+              <a:t>3/8/24</a:t>
             </a:fld>
             <a:endParaRPr lang="en-US"/>
           </a:p>
@@ -3032,7 +3032,7 @@
           <a:p>
             <a:fld id="{B4970447-8C83-B347-8B06-AB59AEB01EEB}" type="datetimeFigureOut">
               <a:rPr lang="en-US" smtClean="0"/>
-              <a:t>11/7/23</a:t>
+              <a:t>3/8/24</a:t>
             </a:fld>
             <a:endParaRPr lang="en-US"/>
           </a:p>
@@ -4584,8 +4584,8 @@
         </p:nvSpPr>
         <p:spPr>
           <a:xfrm>
-            <a:off x="4172180" y="3976450"/>
-            <a:ext cx="1710100" cy="1162573"/>
+            <a:off x="4036580" y="4068525"/>
+            <a:ext cx="1845700" cy="1162573"/>
           </a:xfrm>
           <a:prstGeom prst="roundRect">
             <a:avLst/>
@@ -4946,8 +4946,8 @@
         </p:nvSpPr>
         <p:spPr>
           <a:xfrm>
-            <a:off x="206648" y="3976450"/>
-            <a:ext cx="1710100" cy="1162573"/>
+            <a:off x="76473" y="4065350"/>
+            <a:ext cx="1837944" cy="1162573"/>
           </a:xfrm>
           <a:prstGeom prst="roundRect">
             <a:avLst/>
@@ -5017,8 +5017,8 @@
         </p:nvSpPr>
         <p:spPr>
           <a:xfrm>
-            <a:off x="208125" y="2897021"/>
-            <a:ext cx="1710100" cy="1162573"/>
+            <a:off x="77950" y="2897021"/>
+            <a:ext cx="1837944" cy="1162573"/>
           </a:xfrm>
           <a:prstGeom prst="roundRect">
             <a:avLst/>
@@ -5181,8 +5181,8 @@
         </p:nvSpPr>
         <p:spPr>
           <a:xfrm>
-            <a:off x="2180628" y="3976450"/>
-            <a:ext cx="1710100" cy="1162573"/>
+            <a:off x="2036768" y="4062175"/>
+            <a:ext cx="1853960" cy="1162573"/>
           </a:xfrm>
           <a:prstGeom prst="roundRect">
             <a:avLst/>
@@ -5252,8 +5252,8 @@
         </p:nvSpPr>
         <p:spPr>
           <a:xfrm>
-            <a:off x="2160660" y="1495713"/>
-            <a:ext cx="1710100" cy="1162573"/>
+            <a:off x="2055885" y="1495713"/>
+            <a:ext cx="1837944" cy="1162573"/>
           </a:xfrm>
           <a:prstGeom prst="roundRect">
             <a:avLst/>
@@ -5323,8 +5323,8 @@
         </p:nvSpPr>
         <p:spPr>
           <a:xfrm>
-            <a:off x="217909" y="1481429"/>
-            <a:ext cx="1710100" cy="1162573"/>
+            <a:off x="78209" y="1515293"/>
+            <a:ext cx="1837944" cy="1162573"/>
           </a:xfrm>
           <a:prstGeom prst="roundRect">
             <a:avLst/>
@@ -5394,8 +5394,8 @@
         </p:nvSpPr>
         <p:spPr>
           <a:xfrm>
-            <a:off x="4136552" y="1486800"/>
-            <a:ext cx="1710100" cy="1161288"/>
+            <a:off x="4049844" y="1486800"/>
+            <a:ext cx="1837944" cy="1161288"/>
           </a:xfrm>
           <a:prstGeom prst="roundRect">
             <a:avLst/>
@@ -5465,8 +5465,8 @@
         </p:nvSpPr>
         <p:spPr>
           <a:xfrm>
-            <a:off x="2180628" y="2899896"/>
-            <a:ext cx="1710100" cy="1162573"/>
+            <a:off x="2043509" y="2899896"/>
+            <a:ext cx="1837944" cy="1162573"/>
           </a:xfrm>
           <a:prstGeom prst="roundRect">
             <a:avLst/>
@@ -5536,8 +5536,8 @@
         </p:nvSpPr>
         <p:spPr>
           <a:xfrm>
-            <a:off x="4172180" y="2907503"/>
-            <a:ext cx="1710100" cy="1162573"/>
+            <a:off x="4032480" y="2907503"/>
+            <a:ext cx="1847088" cy="1162573"/>
           </a:xfrm>
           <a:prstGeom prst="roundRect">
             <a:avLst/>
@@ -5764,7 +5764,7 @@
         </p:nvSpPr>
         <p:spPr>
           <a:xfrm>
-            <a:off x="214058" y="1439680"/>
+            <a:off x="214058" y="1473544"/>
             <a:ext cx="1710099" cy="246221"/>
           </a:xfrm>
           <a:prstGeom prst="rect">
@@ -5804,7 +5804,7 @@
         </p:nvCxnSpPr>
         <p:spPr>
           <a:xfrm flipH="1">
-            <a:off x="324808" y="2067840"/>
+            <a:off x="324808" y="2101704"/>
             <a:ext cx="713232" cy="0"/>
           </a:xfrm>
           <a:prstGeom prst="line">
@@ -5846,7 +5846,7 @@
         <p:grpSpPr>
           <a:xfrm>
             <a:off x="2177264" y="1439680"/>
-            <a:ext cx="1701894" cy="1239522"/>
+            <a:ext cx="1700784" cy="1239522"/>
             <a:chOff x="2164564" y="1439680"/>
             <a:chExt cx="1701894" cy="1239522"/>
           </a:xfrm>
@@ -6042,7 +6042,7 @@
         </p:nvGrpSpPr>
         <p:grpSpPr>
           <a:xfrm>
-            <a:off x="-91830" y="1596201"/>
+            <a:off x="-91830" y="1646997"/>
             <a:ext cx="2190109" cy="1113341"/>
             <a:chOff x="-89292" y="1603599"/>
             <a:chExt cx="2190109" cy="1113341"/>
@@ -6384,7 +6384,7 @@
         <p:grpSpPr>
           <a:xfrm>
             <a:off x="4181236" y="2930099"/>
-            <a:ext cx="1719345" cy="1103681"/>
+            <a:ext cx="1719072" cy="1103681"/>
             <a:chOff x="4163567" y="4042462"/>
             <a:chExt cx="1719345" cy="1103681"/>
           </a:xfrm>
@@ -6579,7 +6579,7 @@
         </p:nvGrpSpPr>
         <p:grpSpPr>
           <a:xfrm>
-            <a:off x="2176805" y="4072192"/>
+            <a:off x="2176805" y="4135692"/>
             <a:ext cx="1720658" cy="1135161"/>
             <a:chOff x="2211730" y="4056317"/>
             <a:chExt cx="1720658" cy="1135161"/>
@@ -6872,7 +6872,7 @@
         </p:nvCxnSpPr>
         <p:spPr>
           <a:xfrm flipH="1">
-            <a:off x="2171891" y="3545882"/>
+            <a:off x="2184591" y="3552232"/>
             <a:ext cx="467055" cy="0"/>
           </a:xfrm>
           <a:prstGeom prst="line">
@@ -6950,7 +6950,7 @@
         </p:nvGrpSpPr>
         <p:grpSpPr>
           <a:xfrm>
-            <a:off x="4169644" y="4064332"/>
+            <a:off x="4169644" y="4143707"/>
             <a:ext cx="1719072" cy="1081255"/>
             <a:chOff x="4185519" y="2956993"/>
             <a:chExt cx="1719072" cy="1081255"/>
@@ -7146,8 +7146,8 @@
         </p:nvGrpSpPr>
         <p:grpSpPr>
           <a:xfrm>
-            <a:off x="208252" y="4034136"/>
-            <a:ext cx="1710094" cy="1103216"/>
+            <a:off x="208252" y="4113511"/>
+            <a:ext cx="1709928" cy="1103216"/>
             <a:chOff x="233652" y="4034136"/>
             <a:chExt cx="1710094" cy="1103216"/>
           </a:xfrm>
@@ -7801,7 +7801,7 @@
         </p:nvSpPr>
         <p:spPr>
           <a:xfrm>
-            <a:off x="462031" y="1522366"/>
+            <a:off x="462031" y="1556230"/>
             <a:ext cx="73152" cy="73152"/>
           </a:xfrm>
           <a:prstGeom prst="ellipse">
@@ -8025,7 +8025,7 @@
         </p:nvSpPr>
         <p:spPr>
           <a:xfrm>
-            <a:off x="2205330" y="4172494"/>
+            <a:off x="2205330" y="4232819"/>
             <a:ext cx="73152" cy="73152"/>
           </a:xfrm>
           <a:prstGeom prst="ellipse">
@@ -8193,7 +8193,7 @@
         </p:nvSpPr>
         <p:spPr>
           <a:xfrm>
-            <a:off x="4180219" y="4168786"/>
+            <a:off x="4180219" y="4251336"/>
             <a:ext cx="73152" cy="73152"/>
           </a:xfrm>
           <a:prstGeom prst="ellipse">
@@ -8249,7 +8249,7 @@
         </p:nvSpPr>
         <p:spPr>
           <a:xfrm>
-            <a:off x="221761" y="4170518"/>
+            <a:off x="221761" y="4249893"/>
             <a:ext cx="73152" cy="73152"/>
           </a:xfrm>
           <a:prstGeom prst="ellipse">
@@ -8303,8 +8303,8 @@
         </p:nvSpPr>
         <p:spPr>
           <a:xfrm>
-            <a:off x="2263584" y="5954136"/>
-            <a:ext cx="871107" cy="421815"/>
+            <a:off x="2257511" y="5954136"/>
+            <a:ext cx="858130" cy="421815"/>
           </a:xfrm>
           <a:prstGeom prst="rect">
             <a:avLst/>
@@ -8341,52 +8341,6 @@
           </a:p>
         </p:txBody>
       </p:sp>
-      <p:cxnSp>
-        <p:nvCxnSpPr>
-          <p:cNvPr id="26" name="Straight Connector 25">
-            <a:extLst>
-              <a:ext uri="{FF2B5EF4-FFF2-40B4-BE49-F238E27FC236}">
-                <a16:creationId xmlns:a16="http://schemas.microsoft.com/office/drawing/2014/main" id="{001F0A4F-4A27-ABBE-F521-744C103B1173}"/>
-              </a:ext>
-            </a:extLst>
-          </p:cNvPr>
-          <p:cNvCxnSpPr>
-            <a:cxnSpLocks/>
-          </p:cNvCxnSpPr>
-          <p:nvPr/>
-        </p:nvCxnSpPr>
-        <p:spPr>
-          <a:xfrm flipH="1" flipV="1">
-            <a:off x="2260409" y="5876020"/>
-            <a:ext cx="3175" cy="499931"/>
-          </a:xfrm>
-          <a:prstGeom prst="line">
-            <a:avLst/>
-          </a:prstGeom>
-          <a:ln w="3175">
-            <a:solidFill>
-              <a:schemeClr val="bg1">
-                <a:lumMod val="95000"/>
-              </a:schemeClr>
-            </a:solidFill>
-            <a:prstDash val="lgDash"/>
-          </a:ln>
-        </p:spPr>
-        <p:style>
-          <a:lnRef idx="1">
-            <a:schemeClr val="accent1"/>
-          </a:lnRef>
-          <a:fillRef idx="0">
-            <a:schemeClr val="accent1"/>
-          </a:fillRef>
-          <a:effectRef idx="0">
-            <a:schemeClr val="accent1"/>
-          </a:effectRef>
-          <a:fontRef idx="minor">
-            <a:schemeClr val="tx1"/>
-          </a:fontRef>
-        </p:style>
-      </p:cxnSp>
       <p:pic>
         <p:nvPicPr>
           <p:cNvPr id="19" name="Picture 4">
@@ -8762,6 +8716,2850 @@
           <a:xfrm>
             <a:off x="20574" y="5416"/>
             <a:ext cx="629173" cy="328979"/>
+          </a:xfrm>
+          <a:prstGeom prst="rect">
+            <a:avLst/>
+          </a:prstGeom>
+        </p:spPr>
+      </p:pic>
+      <p:grpSp>
+        <p:nvGrpSpPr>
+          <p:cNvPr id="43" name="Group 42">
+            <a:extLst>
+              <a:ext uri="{FF2B5EF4-FFF2-40B4-BE49-F238E27FC236}">
+                <a16:creationId xmlns:a16="http://schemas.microsoft.com/office/drawing/2014/main" id="{ACBF3FFE-3B3D-206C-8C5E-337623003AFA}"/>
+              </a:ext>
+            </a:extLst>
+          </p:cNvPr>
+          <p:cNvGrpSpPr/>
+          <p:nvPr/>
+        </p:nvGrpSpPr>
+        <p:grpSpPr>
+          <a:xfrm>
+            <a:off x="2091095" y="3948317"/>
+            <a:ext cx="187959" cy="82296"/>
+            <a:chOff x="2103795" y="3948317"/>
+            <a:chExt cx="187959" cy="82296"/>
+          </a:xfrm>
+        </p:grpSpPr>
+        <p:sp>
+          <p:nvSpPr>
+            <p:cNvPr id="30" name="Triangle 29">
+              <a:extLst>
+                <a:ext uri="{FF2B5EF4-FFF2-40B4-BE49-F238E27FC236}">
+                  <a16:creationId xmlns:a16="http://schemas.microsoft.com/office/drawing/2014/main" id="{4F85F87F-F5F0-2BCA-0C7F-776438AEB67C}"/>
+                </a:ext>
+              </a:extLst>
+            </p:cNvPr>
+            <p:cNvSpPr/>
+            <p:nvPr/>
+          </p:nvSpPr>
+          <p:spPr>
+            <a:xfrm rot="16200000">
+              <a:off x="2102398" y="3952889"/>
+              <a:ext cx="82296" cy="73152"/>
+            </a:xfrm>
+            <a:prstGeom prst="triangle">
+              <a:avLst/>
+            </a:prstGeom>
+            <a:solidFill>
+              <a:srgbClr val="CCCCCC"/>
+            </a:solidFill>
+            <a:ln w="3175">
+              <a:noFill/>
+            </a:ln>
+          </p:spPr>
+          <p:style>
+            <a:lnRef idx="2">
+              <a:schemeClr val="accent1">
+                <a:shade val="15000"/>
+              </a:schemeClr>
+            </a:lnRef>
+            <a:fillRef idx="1">
+              <a:schemeClr val="accent1"/>
+            </a:fillRef>
+            <a:effectRef idx="0">
+              <a:schemeClr val="accent1"/>
+            </a:effectRef>
+            <a:fontRef idx="minor">
+              <a:schemeClr val="lt1"/>
+            </a:fontRef>
+          </p:style>
+          <p:txBody>
+            <a:bodyPr rtlCol="0" anchor="ctr"/>
+            <a:lstStyle/>
+            <a:p>
+              <a:pPr algn="ctr"/>
+              <a:endParaRPr lang="en-US"/>
+            </a:p>
+          </p:txBody>
+        </p:sp>
+        <p:cxnSp>
+          <p:nvCxnSpPr>
+            <p:cNvPr id="34" name="Straight Connector 33">
+              <a:extLst>
+                <a:ext uri="{FF2B5EF4-FFF2-40B4-BE49-F238E27FC236}">
+                  <a16:creationId xmlns:a16="http://schemas.microsoft.com/office/drawing/2014/main" id="{00D021B9-128A-61F2-8D82-C6551CCC540E}"/>
+                </a:ext>
+              </a:extLst>
+            </p:cNvPr>
+            <p:cNvCxnSpPr>
+              <a:cxnSpLocks/>
+            </p:cNvCxnSpPr>
+            <p:nvPr/>
+          </p:nvCxnSpPr>
+          <p:spPr>
+            <a:xfrm flipH="1">
+              <a:off x="2103795" y="3951093"/>
+              <a:ext cx="68264" cy="42944"/>
+            </a:xfrm>
+            <a:prstGeom prst="line">
+              <a:avLst/>
+            </a:prstGeom>
+            <a:ln w="3175"/>
+          </p:spPr>
+          <p:style>
+            <a:lnRef idx="1">
+              <a:schemeClr val="dk1"/>
+            </a:lnRef>
+            <a:fillRef idx="0">
+              <a:schemeClr val="dk1"/>
+            </a:fillRef>
+            <a:effectRef idx="0">
+              <a:schemeClr val="dk1"/>
+            </a:effectRef>
+            <a:fontRef idx="minor">
+              <a:schemeClr val="tx1"/>
+            </a:fontRef>
+          </p:style>
+        </p:cxnSp>
+        <p:cxnSp>
+          <p:nvCxnSpPr>
+            <p:cNvPr id="36" name="Straight Connector 35">
+              <a:extLst>
+                <a:ext uri="{FF2B5EF4-FFF2-40B4-BE49-F238E27FC236}">
+                  <a16:creationId xmlns:a16="http://schemas.microsoft.com/office/drawing/2014/main" id="{888AC961-8124-4D20-8312-2924DA2270AD}"/>
+                </a:ext>
+              </a:extLst>
+            </p:cNvPr>
+            <p:cNvCxnSpPr>
+              <a:cxnSpLocks/>
+            </p:cNvCxnSpPr>
+            <p:nvPr/>
+          </p:nvCxnSpPr>
+          <p:spPr>
+            <a:xfrm flipH="1" flipV="1">
+              <a:off x="2106969" y="3994738"/>
+              <a:ext cx="73153" cy="32700"/>
+            </a:xfrm>
+            <a:prstGeom prst="line">
+              <a:avLst/>
+            </a:prstGeom>
+            <a:ln w="3175"/>
+          </p:spPr>
+          <p:style>
+            <a:lnRef idx="1">
+              <a:schemeClr val="dk1"/>
+            </a:lnRef>
+            <a:fillRef idx="0">
+              <a:schemeClr val="dk1"/>
+            </a:fillRef>
+            <a:effectRef idx="0">
+              <a:schemeClr val="dk1"/>
+            </a:effectRef>
+            <a:fontRef idx="minor">
+              <a:schemeClr val="tx1"/>
+            </a:fontRef>
+          </p:style>
+        </p:cxnSp>
+        <p:sp>
+          <p:nvSpPr>
+            <p:cNvPr id="38" name="Rectangle 37">
+              <a:extLst>
+                <a:ext uri="{FF2B5EF4-FFF2-40B4-BE49-F238E27FC236}">
+                  <a16:creationId xmlns:a16="http://schemas.microsoft.com/office/drawing/2014/main" id="{435ECA88-92DF-0280-C7E2-12C7D6558AEA}"/>
+                </a:ext>
+              </a:extLst>
+            </p:cNvPr>
+            <p:cNvSpPr/>
+            <p:nvPr/>
+          </p:nvSpPr>
+          <p:spPr>
+            <a:xfrm>
+              <a:off x="2178285" y="3954285"/>
+              <a:ext cx="73152" cy="73152"/>
+            </a:xfrm>
+            <a:prstGeom prst="rect">
+              <a:avLst/>
+            </a:prstGeom>
+            <a:solidFill>
+              <a:srgbClr val="CCCCCC"/>
+            </a:solidFill>
+            <a:ln>
+              <a:noFill/>
+            </a:ln>
+          </p:spPr>
+          <p:style>
+            <a:lnRef idx="2">
+              <a:schemeClr val="accent1">
+                <a:shade val="15000"/>
+              </a:schemeClr>
+            </a:lnRef>
+            <a:fillRef idx="1">
+              <a:schemeClr val="accent1"/>
+            </a:fillRef>
+            <a:effectRef idx="0">
+              <a:schemeClr val="accent1"/>
+            </a:effectRef>
+            <a:fontRef idx="minor">
+              <a:schemeClr val="lt1"/>
+            </a:fontRef>
+          </p:style>
+          <p:txBody>
+            <a:bodyPr rtlCol="0" anchor="ctr"/>
+            <a:lstStyle/>
+            <a:p>
+              <a:pPr algn="ctr"/>
+              <a:endParaRPr lang="en-US"/>
+            </a:p>
+          </p:txBody>
+        </p:sp>
+        <p:cxnSp>
+          <p:nvCxnSpPr>
+            <p:cNvPr id="39" name="Straight Connector 38">
+              <a:extLst>
+                <a:ext uri="{FF2B5EF4-FFF2-40B4-BE49-F238E27FC236}">
+                  <a16:creationId xmlns:a16="http://schemas.microsoft.com/office/drawing/2014/main" id="{51FBB1DB-C330-F525-2B80-825EB5160F95}"/>
+                </a:ext>
+              </a:extLst>
+            </p:cNvPr>
+            <p:cNvCxnSpPr>
+              <a:cxnSpLocks/>
+            </p:cNvCxnSpPr>
+            <p:nvPr/>
+          </p:nvCxnSpPr>
+          <p:spPr>
+            <a:xfrm flipH="1">
+              <a:off x="2170970" y="3952689"/>
+              <a:ext cx="114434" cy="0"/>
+            </a:xfrm>
+            <a:prstGeom prst="line">
+              <a:avLst/>
+            </a:prstGeom>
+            <a:ln w="3175"/>
+          </p:spPr>
+          <p:style>
+            <a:lnRef idx="1">
+              <a:schemeClr val="dk1"/>
+            </a:lnRef>
+            <a:fillRef idx="0">
+              <a:schemeClr val="dk1"/>
+            </a:fillRef>
+            <a:effectRef idx="0">
+              <a:schemeClr val="dk1"/>
+            </a:effectRef>
+            <a:fontRef idx="minor">
+              <a:schemeClr val="tx1"/>
+            </a:fontRef>
+          </p:style>
+        </p:cxnSp>
+        <p:cxnSp>
+          <p:nvCxnSpPr>
+            <p:cNvPr id="42" name="Straight Connector 41">
+              <a:extLst>
+                <a:ext uri="{FF2B5EF4-FFF2-40B4-BE49-F238E27FC236}">
+                  <a16:creationId xmlns:a16="http://schemas.microsoft.com/office/drawing/2014/main" id="{F41E0CAF-5531-BE69-081E-85B200217C2F}"/>
+                </a:ext>
+              </a:extLst>
+            </p:cNvPr>
+            <p:cNvCxnSpPr>
+              <a:cxnSpLocks/>
+            </p:cNvCxnSpPr>
+            <p:nvPr/>
+          </p:nvCxnSpPr>
+          <p:spPr>
+            <a:xfrm flipH="1">
+              <a:off x="2177320" y="4025714"/>
+              <a:ext cx="114434" cy="0"/>
+            </a:xfrm>
+            <a:prstGeom prst="line">
+              <a:avLst/>
+            </a:prstGeom>
+            <a:ln w="3175"/>
+          </p:spPr>
+          <p:style>
+            <a:lnRef idx="1">
+              <a:schemeClr val="dk1"/>
+            </a:lnRef>
+            <a:fillRef idx="0">
+              <a:schemeClr val="dk1"/>
+            </a:fillRef>
+            <a:effectRef idx="0">
+              <a:schemeClr val="dk1"/>
+            </a:effectRef>
+            <a:fontRef idx="minor">
+              <a:schemeClr val="tx1"/>
+            </a:fontRef>
+          </p:style>
+        </p:cxnSp>
+      </p:grpSp>
+      <p:grpSp>
+        <p:nvGrpSpPr>
+          <p:cNvPr id="44" name="Group 43">
+            <a:extLst>
+              <a:ext uri="{FF2B5EF4-FFF2-40B4-BE49-F238E27FC236}">
+                <a16:creationId xmlns:a16="http://schemas.microsoft.com/office/drawing/2014/main" id="{57CD23AE-4DA6-F389-D3FC-3B74368569F4}"/>
+              </a:ext>
+            </a:extLst>
+          </p:cNvPr>
+          <p:cNvGrpSpPr/>
+          <p:nvPr/>
+        </p:nvGrpSpPr>
+        <p:grpSpPr>
+          <a:xfrm>
+            <a:off x="2095106" y="5101843"/>
+            <a:ext cx="187959" cy="82296"/>
+            <a:chOff x="2103795" y="3948317"/>
+            <a:chExt cx="187959" cy="82296"/>
+          </a:xfrm>
+        </p:grpSpPr>
+        <p:sp>
+          <p:nvSpPr>
+            <p:cNvPr id="45" name="Triangle 44">
+              <a:extLst>
+                <a:ext uri="{FF2B5EF4-FFF2-40B4-BE49-F238E27FC236}">
+                  <a16:creationId xmlns:a16="http://schemas.microsoft.com/office/drawing/2014/main" id="{E252A373-84B4-4F48-E196-8A4F7D9F67E8}"/>
+                </a:ext>
+              </a:extLst>
+            </p:cNvPr>
+            <p:cNvSpPr/>
+            <p:nvPr/>
+          </p:nvSpPr>
+          <p:spPr>
+            <a:xfrm rot="16200000">
+              <a:off x="2102398" y="3952889"/>
+              <a:ext cx="82296" cy="73152"/>
+            </a:xfrm>
+            <a:prstGeom prst="triangle">
+              <a:avLst/>
+            </a:prstGeom>
+            <a:solidFill>
+              <a:srgbClr val="CCCCCC"/>
+            </a:solidFill>
+            <a:ln w="3175">
+              <a:noFill/>
+            </a:ln>
+          </p:spPr>
+          <p:style>
+            <a:lnRef idx="2">
+              <a:schemeClr val="accent1">
+                <a:shade val="15000"/>
+              </a:schemeClr>
+            </a:lnRef>
+            <a:fillRef idx="1">
+              <a:schemeClr val="accent1"/>
+            </a:fillRef>
+            <a:effectRef idx="0">
+              <a:schemeClr val="accent1"/>
+            </a:effectRef>
+            <a:fontRef idx="minor">
+              <a:schemeClr val="lt1"/>
+            </a:fontRef>
+          </p:style>
+          <p:txBody>
+            <a:bodyPr rtlCol="0" anchor="ctr"/>
+            <a:lstStyle/>
+            <a:p>
+              <a:pPr algn="ctr"/>
+              <a:endParaRPr lang="en-US"/>
+            </a:p>
+          </p:txBody>
+        </p:sp>
+        <p:cxnSp>
+          <p:nvCxnSpPr>
+            <p:cNvPr id="46" name="Straight Connector 45">
+              <a:extLst>
+                <a:ext uri="{FF2B5EF4-FFF2-40B4-BE49-F238E27FC236}">
+                  <a16:creationId xmlns:a16="http://schemas.microsoft.com/office/drawing/2014/main" id="{4AFA74D3-EB69-A590-4CBF-B9D2A10F1FD5}"/>
+                </a:ext>
+              </a:extLst>
+            </p:cNvPr>
+            <p:cNvCxnSpPr>
+              <a:cxnSpLocks/>
+            </p:cNvCxnSpPr>
+            <p:nvPr/>
+          </p:nvCxnSpPr>
+          <p:spPr>
+            <a:xfrm flipH="1">
+              <a:off x="2103795" y="3951093"/>
+              <a:ext cx="68264" cy="42944"/>
+            </a:xfrm>
+            <a:prstGeom prst="line">
+              <a:avLst/>
+            </a:prstGeom>
+            <a:ln w="3175"/>
+          </p:spPr>
+          <p:style>
+            <a:lnRef idx="1">
+              <a:schemeClr val="dk1"/>
+            </a:lnRef>
+            <a:fillRef idx="0">
+              <a:schemeClr val="dk1"/>
+            </a:fillRef>
+            <a:effectRef idx="0">
+              <a:schemeClr val="dk1"/>
+            </a:effectRef>
+            <a:fontRef idx="minor">
+              <a:schemeClr val="tx1"/>
+            </a:fontRef>
+          </p:style>
+        </p:cxnSp>
+        <p:cxnSp>
+          <p:nvCxnSpPr>
+            <p:cNvPr id="47" name="Straight Connector 46">
+              <a:extLst>
+                <a:ext uri="{FF2B5EF4-FFF2-40B4-BE49-F238E27FC236}">
+                  <a16:creationId xmlns:a16="http://schemas.microsoft.com/office/drawing/2014/main" id="{08F771A9-99A5-CF4A-41B0-2EFC012460C6}"/>
+                </a:ext>
+              </a:extLst>
+            </p:cNvPr>
+            <p:cNvCxnSpPr>
+              <a:cxnSpLocks/>
+            </p:cNvCxnSpPr>
+            <p:nvPr/>
+          </p:nvCxnSpPr>
+          <p:spPr>
+            <a:xfrm flipH="1" flipV="1">
+              <a:off x="2106969" y="3994738"/>
+              <a:ext cx="73153" cy="32700"/>
+            </a:xfrm>
+            <a:prstGeom prst="line">
+              <a:avLst/>
+            </a:prstGeom>
+            <a:ln w="3175"/>
+          </p:spPr>
+          <p:style>
+            <a:lnRef idx="1">
+              <a:schemeClr val="dk1"/>
+            </a:lnRef>
+            <a:fillRef idx="0">
+              <a:schemeClr val="dk1"/>
+            </a:fillRef>
+            <a:effectRef idx="0">
+              <a:schemeClr val="dk1"/>
+            </a:effectRef>
+            <a:fontRef idx="minor">
+              <a:schemeClr val="tx1"/>
+            </a:fontRef>
+          </p:style>
+        </p:cxnSp>
+        <p:sp>
+          <p:nvSpPr>
+            <p:cNvPr id="48" name="Rectangle 47">
+              <a:extLst>
+                <a:ext uri="{FF2B5EF4-FFF2-40B4-BE49-F238E27FC236}">
+                  <a16:creationId xmlns:a16="http://schemas.microsoft.com/office/drawing/2014/main" id="{1F61C2E1-9B32-3B7E-D9BC-D410B3C29FD4}"/>
+                </a:ext>
+              </a:extLst>
+            </p:cNvPr>
+            <p:cNvSpPr/>
+            <p:nvPr/>
+          </p:nvSpPr>
+          <p:spPr>
+            <a:xfrm>
+              <a:off x="2178285" y="3954285"/>
+              <a:ext cx="73152" cy="73152"/>
+            </a:xfrm>
+            <a:prstGeom prst="rect">
+              <a:avLst/>
+            </a:prstGeom>
+            <a:solidFill>
+              <a:srgbClr val="CCCCCC"/>
+            </a:solidFill>
+            <a:ln>
+              <a:noFill/>
+            </a:ln>
+          </p:spPr>
+          <p:style>
+            <a:lnRef idx="2">
+              <a:schemeClr val="accent1">
+                <a:shade val="15000"/>
+              </a:schemeClr>
+            </a:lnRef>
+            <a:fillRef idx="1">
+              <a:schemeClr val="accent1"/>
+            </a:fillRef>
+            <a:effectRef idx="0">
+              <a:schemeClr val="accent1"/>
+            </a:effectRef>
+            <a:fontRef idx="minor">
+              <a:schemeClr val="lt1"/>
+            </a:fontRef>
+          </p:style>
+          <p:txBody>
+            <a:bodyPr rtlCol="0" anchor="ctr"/>
+            <a:lstStyle/>
+            <a:p>
+              <a:pPr algn="ctr"/>
+              <a:endParaRPr lang="en-US"/>
+            </a:p>
+          </p:txBody>
+        </p:sp>
+        <p:cxnSp>
+          <p:nvCxnSpPr>
+            <p:cNvPr id="49" name="Straight Connector 48">
+              <a:extLst>
+                <a:ext uri="{FF2B5EF4-FFF2-40B4-BE49-F238E27FC236}">
+                  <a16:creationId xmlns:a16="http://schemas.microsoft.com/office/drawing/2014/main" id="{55BD172A-9598-E96D-4D99-8B4E1C89065E}"/>
+                </a:ext>
+              </a:extLst>
+            </p:cNvPr>
+            <p:cNvCxnSpPr>
+              <a:cxnSpLocks/>
+            </p:cNvCxnSpPr>
+            <p:nvPr/>
+          </p:nvCxnSpPr>
+          <p:spPr>
+            <a:xfrm flipH="1">
+              <a:off x="2170970" y="3952689"/>
+              <a:ext cx="114434" cy="0"/>
+            </a:xfrm>
+            <a:prstGeom prst="line">
+              <a:avLst/>
+            </a:prstGeom>
+            <a:ln w="3175"/>
+          </p:spPr>
+          <p:style>
+            <a:lnRef idx="1">
+              <a:schemeClr val="dk1"/>
+            </a:lnRef>
+            <a:fillRef idx="0">
+              <a:schemeClr val="dk1"/>
+            </a:fillRef>
+            <a:effectRef idx="0">
+              <a:schemeClr val="dk1"/>
+            </a:effectRef>
+            <a:fontRef idx="minor">
+              <a:schemeClr val="tx1"/>
+            </a:fontRef>
+          </p:style>
+        </p:cxnSp>
+        <p:cxnSp>
+          <p:nvCxnSpPr>
+            <p:cNvPr id="50" name="Straight Connector 49">
+              <a:extLst>
+                <a:ext uri="{FF2B5EF4-FFF2-40B4-BE49-F238E27FC236}">
+                  <a16:creationId xmlns:a16="http://schemas.microsoft.com/office/drawing/2014/main" id="{6E056822-3684-8883-260E-9B3DA51C985D}"/>
+                </a:ext>
+              </a:extLst>
+            </p:cNvPr>
+            <p:cNvCxnSpPr>
+              <a:cxnSpLocks/>
+            </p:cNvCxnSpPr>
+            <p:nvPr/>
+          </p:nvCxnSpPr>
+          <p:spPr>
+            <a:xfrm flipH="1">
+              <a:off x="2177320" y="4025714"/>
+              <a:ext cx="114434" cy="0"/>
+            </a:xfrm>
+            <a:prstGeom prst="line">
+              <a:avLst/>
+            </a:prstGeom>
+            <a:ln w="3175"/>
+          </p:spPr>
+          <p:style>
+            <a:lnRef idx="1">
+              <a:schemeClr val="dk1"/>
+            </a:lnRef>
+            <a:fillRef idx="0">
+              <a:schemeClr val="dk1"/>
+            </a:fillRef>
+            <a:effectRef idx="0">
+              <a:schemeClr val="dk1"/>
+            </a:effectRef>
+            <a:fontRef idx="minor">
+              <a:schemeClr val="tx1"/>
+            </a:fontRef>
+          </p:style>
+        </p:cxnSp>
+      </p:grpSp>
+      <p:grpSp>
+        <p:nvGrpSpPr>
+          <p:cNvPr id="51" name="Group 50">
+            <a:extLst>
+              <a:ext uri="{FF2B5EF4-FFF2-40B4-BE49-F238E27FC236}">
+                <a16:creationId xmlns:a16="http://schemas.microsoft.com/office/drawing/2014/main" id="{1FD4A684-48E2-9B7A-DA5D-38011077DEB0}"/>
+              </a:ext>
+            </a:extLst>
+          </p:cNvPr>
+          <p:cNvGrpSpPr/>
+          <p:nvPr/>
+        </p:nvGrpSpPr>
+        <p:grpSpPr>
+          <a:xfrm>
+            <a:off x="113074" y="3925528"/>
+            <a:ext cx="187959" cy="82296"/>
+            <a:chOff x="2103795" y="3948317"/>
+            <a:chExt cx="187959" cy="82296"/>
+          </a:xfrm>
+        </p:grpSpPr>
+        <p:sp>
+          <p:nvSpPr>
+            <p:cNvPr id="52" name="Triangle 51">
+              <a:extLst>
+                <a:ext uri="{FF2B5EF4-FFF2-40B4-BE49-F238E27FC236}">
+                  <a16:creationId xmlns:a16="http://schemas.microsoft.com/office/drawing/2014/main" id="{588C7782-CCAC-592F-418D-060335D6BE6F}"/>
+                </a:ext>
+              </a:extLst>
+            </p:cNvPr>
+            <p:cNvSpPr/>
+            <p:nvPr/>
+          </p:nvSpPr>
+          <p:spPr>
+            <a:xfrm rot="16200000">
+              <a:off x="2102398" y="3952889"/>
+              <a:ext cx="82296" cy="73152"/>
+            </a:xfrm>
+            <a:prstGeom prst="triangle">
+              <a:avLst/>
+            </a:prstGeom>
+            <a:solidFill>
+              <a:srgbClr val="CCCCCC"/>
+            </a:solidFill>
+            <a:ln w="3175">
+              <a:noFill/>
+            </a:ln>
+          </p:spPr>
+          <p:style>
+            <a:lnRef idx="2">
+              <a:schemeClr val="accent1">
+                <a:shade val="15000"/>
+              </a:schemeClr>
+            </a:lnRef>
+            <a:fillRef idx="1">
+              <a:schemeClr val="accent1"/>
+            </a:fillRef>
+            <a:effectRef idx="0">
+              <a:schemeClr val="accent1"/>
+            </a:effectRef>
+            <a:fontRef idx="minor">
+              <a:schemeClr val="lt1"/>
+            </a:fontRef>
+          </p:style>
+          <p:txBody>
+            <a:bodyPr rtlCol="0" anchor="ctr"/>
+            <a:lstStyle/>
+            <a:p>
+              <a:pPr algn="ctr"/>
+              <a:endParaRPr lang="en-US"/>
+            </a:p>
+          </p:txBody>
+        </p:sp>
+        <p:cxnSp>
+          <p:nvCxnSpPr>
+            <p:cNvPr id="53" name="Straight Connector 52">
+              <a:extLst>
+                <a:ext uri="{FF2B5EF4-FFF2-40B4-BE49-F238E27FC236}">
+                  <a16:creationId xmlns:a16="http://schemas.microsoft.com/office/drawing/2014/main" id="{6B805D79-6768-5E75-452B-704BB6AE969D}"/>
+                </a:ext>
+              </a:extLst>
+            </p:cNvPr>
+            <p:cNvCxnSpPr>
+              <a:cxnSpLocks/>
+            </p:cNvCxnSpPr>
+            <p:nvPr/>
+          </p:nvCxnSpPr>
+          <p:spPr>
+            <a:xfrm flipH="1">
+              <a:off x="2103795" y="3951093"/>
+              <a:ext cx="68264" cy="42944"/>
+            </a:xfrm>
+            <a:prstGeom prst="line">
+              <a:avLst/>
+            </a:prstGeom>
+            <a:ln w="3175"/>
+          </p:spPr>
+          <p:style>
+            <a:lnRef idx="1">
+              <a:schemeClr val="dk1"/>
+            </a:lnRef>
+            <a:fillRef idx="0">
+              <a:schemeClr val="dk1"/>
+            </a:fillRef>
+            <a:effectRef idx="0">
+              <a:schemeClr val="dk1"/>
+            </a:effectRef>
+            <a:fontRef idx="minor">
+              <a:schemeClr val="tx1"/>
+            </a:fontRef>
+          </p:style>
+        </p:cxnSp>
+        <p:cxnSp>
+          <p:nvCxnSpPr>
+            <p:cNvPr id="54" name="Straight Connector 53">
+              <a:extLst>
+                <a:ext uri="{FF2B5EF4-FFF2-40B4-BE49-F238E27FC236}">
+                  <a16:creationId xmlns:a16="http://schemas.microsoft.com/office/drawing/2014/main" id="{3DC9B44B-EC30-D7DA-3B5F-54B7B0635C7D}"/>
+                </a:ext>
+              </a:extLst>
+            </p:cNvPr>
+            <p:cNvCxnSpPr>
+              <a:cxnSpLocks/>
+            </p:cNvCxnSpPr>
+            <p:nvPr/>
+          </p:nvCxnSpPr>
+          <p:spPr>
+            <a:xfrm flipH="1" flipV="1">
+              <a:off x="2106969" y="3994738"/>
+              <a:ext cx="73153" cy="32700"/>
+            </a:xfrm>
+            <a:prstGeom prst="line">
+              <a:avLst/>
+            </a:prstGeom>
+            <a:ln w="3175"/>
+          </p:spPr>
+          <p:style>
+            <a:lnRef idx="1">
+              <a:schemeClr val="dk1"/>
+            </a:lnRef>
+            <a:fillRef idx="0">
+              <a:schemeClr val="dk1"/>
+            </a:fillRef>
+            <a:effectRef idx="0">
+              <a:schemeClr val="dk1"/>
+            </a:effectRef>
+            <a:fontRef idx="minor">
+              <a:schemeClr val="tx1"/>
+            </a:fontRef>
+          </p:style>
+        </p:cxnSp>
+        <p:sp>
+          <p:nvSpPr>
+            <p:cNvPr id="55" name="Rectangle 54">
+              <a:extLst>
+                <a:ext uri="{FF2B5EF4-FFF2-40B4-BE49-F238E27FC236}">
+                  <a16:creationId xmlns:a16="http://schemas.microsoft.com/office/drawing/2014/main" id="{FC11840D-5ED0-9F38-F51D-9B7027E2EA75}"/>
+                </a:ext>
+              </a:extLst>
+            </p:cNvPr>
+            <p:cNvSpPr/>
+            <p:nvPr/>
+          </p:nvSpPr>
+          <p:spPr>
+            <a:xfrm>
+              <a:off x="2178285" y="3954285"/>
+              <a:ext cx="73152" cy="73152"/>
+            </a:xfrm>
+            <a:prstGeom prst="rect">
+              <a:avLst/>
+            </a:prstGeom>
+            <a:solidFill>
+              <a:srgbClr val="CCCCCC"/>
+            </a:solidFill>
+            <a:ln>
+              <a:noFill/>
+            </a:ln>
+          </p:spPr>
+          <p:style>
+            <a:lnRef idx="2">
+              <a:schemeClr val="accent1">
+                <a:shade val="15000"/>
+              </a:schemeClr>
+            </a:lnRef>
+            <a:fillRef idx="1">
+              <a:schemeClr val="accent1"/>
+            </a:fillRef>
+            <a:effectRef idx="0">
+              <a:schemeClr val="accent1"/>
+            </a:effectRef>
+            <a:fontRef idx="minor">
+              <a:schemeClr val="lt1"/>
+            </a:fontRef>
+          </p:style>
+          <p:txBody>
+            <a:bodyPr rtlCol="0" anchor="ctr"/>
+            <a:lstStyle/>
+            <a:p>
+              <a:pPr algn="ctr"/>
+              <a:endParaRPr lang="en-US"/>
+            </a:p>
+          </p:txBody>
+        </p:sp>
+        <p:cxnSp>
+          <p:nvCxnSpPr>
+            <p:cNvPr id="56" name="Straight Connector 55">
+              <a:extLst>
+                <a:ext uri="{FF2B5EF4-FFF2-40B4-BE49-F238E27FC236}">
+                  <a16:creationId xmlns:a16="http://schemas.microsoft.com/office/drawing/2014/main" id="{BE223357-8DB0-8AF1-E69F-31098657A7F7}"/>
+                </a:ext>
+              </a:extLst>
+            </p:cNvPr>
+            <p:cNvCxnSpPr>
+              <a:cxnSpLocks/>
+            </p:cNvCxnSpPr>
+            <p:nvPr/>
+          </p:nvCxnSpPr>
+          <p:spPr>
+            <a:xfrm flipH="1">
+              <a:off x="2170970" y="3952689"/>
+              <a:ext cx="114434" cy="0"/>
+            </a:xfrm>
+            <a:prstGeom prst="line">
+              <a:avLst/>
+            </a:prstGeom>
+            <a:ln w="3175"/>
+          </p:spPr>
+          <p:style>
+            <a:lnRef idx="1">
+              <a:schemeClr val="dk1"/>
+            </a:lnRef>
+            <a:fillRef idx="0">
+              <a:schemeClr val="dk1"/>
+            </a:fillRef>
+            <a:effectRef idx="0">
+              <a:schemeClr val="dk1"/>
+            </a:effectRef>
+            <a:fontRef idx="minor">
+              <a:schemeClr val="tx1"/>
+            </a:fontRef>
+          </p:style>
+        </p:cxnSp>
+        <p:cxnSp>
+          <p:nvCxnSpPr>
+            <p:cNvPr id="57" name="Straight Connector 56">
+              <a:extLst>
+                <a:ext uri="{FF2B5EF4-FFF2-40B4-BE49-F238E27FC236}">
+                  <a16:creationId xmlns:a16="http://schemas.microsoft.com/office/drawing/2014/main" id="{E9E5E00D-D77E-7715-FC57-2E691B2F7AFC}"/>
+                </a:ext>
+              </a:extLst>
+            </p:cNvPr>
+            <p:cNvCxnSpPr>
+              <a:cxnSpLocks/>
+            </p:cNvCxnSpPr>
+            <p:nvPr/>
+          </p:nvCxnSpPr>
+          <p:spPr>
+            <a:xfrm flipH="1">
+              <a:off x="2177320" y="4025714"/>
+              <a:ext cx="114434" cy="0"/>
+            </a:xfrm>
+            <a:prstGeom prst="line">
+              <a:avLst/>
+            </a:prstGeom>
+            <a:ln w="3175"/>
+          </p:spPr>
+          <p:style>
+            <a:lnRef idx="1">
+              <a:schemeClr val="dk1"/>
+            </a:lnRef>
+            <a:fillRef idx="0">
+              <a:schemeClr val="dk1"/>
+            </a:fillRef>
+            <a:effectRef idx="0">
+              <a:schemeClr val="dk1"/>
+            </a:effectRef>
+            <a:fontRef idx="minor">
+              <a:schemeClr val="tx1"/>
+            </a:fontRef>
+          </p:style>
+        </p:cxnSp>
+      </p:grpSp>
+      <p:grpSp>
+        <p:nvGrpSpPr>
+          <p:cNvPr id="58" name="Group 57">
+            <a:extLst>
+              <a:ext uri="{FF2B5EF4-FFF2-40B4-BE49-F238E27FC236}">
+                <a16:creationId xmlns:a16="http://schemas.microsoft.com/office/drawing/2014/main" id="{2A8F8F55-63D7-7E33-AED8-C5CA1CCF2941}"/>
+              </a:ext>
+            </a:extLst>
+          </p:cNvPr>
+          <p:cNvGrpSpPr/>
+          <p:nvPr/>
+        </p:nvGrpSpPr>
+        <p:grpSpPr>
+          <a:xfrm>
+            <a:off x="129087" y="5110093"/>
+            <a:ext cx="187959" cy="82296"/>
+            <a:chOff x="2103795" y="3948317"/>
+            <a:chExt cx="187959" cy="82296"/>
+          </a:xfrm>
+        </p:grpSpPr>
+        <p:sp>
+          <p:nvSpPr>
+            <p:cNvPr id="59" name="Triangle 58">
+              <a:extLst>
+                <a:ext uri="{FF2B5EF4-FFF2-40B4-BE49-F238E27FC236}">
+                  <a16:creationId xmlns:a16="http://schemas.microsoft.com/office/drawing/2014/main" id="{D8AEBCEA-09F8-9366-C506-13686A457824}"/>
+                </a:ext>
+              </a:extLst>
+            </p:cNvPr>
+            <p:cNvSpPr/>
+            <p:nvPr/>
+          </p:nvSpPr>
+          <p:spPr>
+            <a:xfrm rot="16200000">
+              <a:off x="2102398" y="3952889"/>
+              <a:ext cx="82296" cy="73152"/>
+            </a:xfrm>
+            <a:prstGeom prst="triangle">
+              <a:avLst/>
+            </a:prstGeom>
+            <a:solidFill>
+              <a:srgbClr val="CCCCCC"/>
+            </a:solidFill>
+            <a:ln w="3175">
+              <a:noFill/>
+            </a:ln>
+          </p:spPr>
+          <p:style>
+            <a:lnRef idx="2">
+              <a:schemeClr val="accent1">
+                <a:shade val="15000"/>
+              </a:schemeClr>
+            </a:lnRef>
+            <a:fillRef idx="1">
+              <a:schemeClr val="accent1"/>
+            </a:fillRef>
+            <a:effectRef idx="0">
+              <a:schemeClr val="accent1"/>
+            </a:effectRef>
+            <a:fontRef idx="minor">
+              <a:schemeClr val="lt1"/>
+            </a:fontRef>
+          </p:style>
+          <p:txBody>
+            <a:bodyPr rtlCol="0" anchor="ctr"/>
+            <a:lstStyle/>
+            <a:p>
+              <a:pPr algn="ctr"/>
+              <a:endParaRPr lang="en-US"/>
+            </a:p>
+          </p:txBody>
+        </p:sp>
+        <p:cxnSp>
+          <p:nvCxnSpPr>
+            <p:cNvPr id="60" name="Straight Connector 59">
+              <a:extLst>
+                <a:ext uri="{FF2B5EF4-FFF2-40B4-BE49-F238E27FC236}">
+                  <a16:creationId xmlns:a16="http://schemas.microsoft.com/office/drawing/2014/main" id="{474FEDCA-0230-2C9C-BF4B-810AB35D7CE2}"/>
+                </a:ext>
+              </a:extLst>
+            </p:cNvPr>
+            <p:cNvCxnSpPr>
+              <a:cxnSpLocks/>
+            </p:cNvCxnSpPr>
+            <p:nvPr/>
+          </p:nvCxnSpPr>
+          <p:spPr>
+            <a:xfrm flipH="1">
+              <a:off x="2103795" y="3951093"/>
+              <a:ext cx="68264" cy="42944"/>
+            </a:xfrm>
+            <a:prstGeom prst="line">
+              <a:avLst/>
+            </a:prstGeom>
+            <a:ln w="3175"/>
+          </p:spPr>
+          <p:style>
+            <a:lnRef idx="1">
+              <a:schemeClr val="dk1"/>
+            </a:lnRef>
+            <a:fillRef idx="0">
+              <a:schemeClr val="dk1"/>
+            </a:fillRef>
+            <a:effectRef idx="0">
+              <a:schemeClr val="dk1"/>
+            </a:effectRef>
+            <a:fontRef idx="minor">
+              <a:schemeClr val="tx1"/>
+            </a:fontRef>
+          </p:style>
+        </p:cxnSp>
+        <p:cxnSp>
+          <p:nvCxnSpPr>
+            <p:cNvPr id="61" name="Straight Connector 60">
+              <a:extLst>
+                <a:ext uri="{FF2B5EF4-FFF2-40B4-BE49-F238E27FC236}">
+                  <a16:creationId xmlns:a16="http://schemas.microsoft.com/office/drawing/2014/main" id="{9C255BEA-6169-5AF1-0A62-7F537531E1D5}"/>
+                </a:ext>
+              </a:extLst>
+            </p:cNvPr>
+            <p:cNvCxnSpPr>
+              <a:cxnSpLocks/>
+            </p:cNvCxnSpPr>
+            <p:nvPr/>
+          </p:nvCxnSpPr>
+          <p:spPr>
+            <a:xfrm flipH="1" flipV="1">
+              <a:off x="2106969" y="3994738"/>
+              <a:ext cx="73153" cy="32700"/>
+            </a:xfrm>
+            <a:prstGeom prst="line">
+              <a:avLst/>
+            </a:prstGeom>
+            <a:ln w="3175"/>
+          </p:spPr>
+          <p:style>
+            <a:lnRef idx="1">
+              <a:schemeClr val="dk1"/>
+            </a:lnRef>
+            <a:fillRef idx="0">
+              <a:schemeClr val="dk1"/>
+            </a:fillRef>
+            <a:effectRef idx="0">
+              <a:schemeClr val="dk1"/>
+            </a:effectRef>
+            <a:fontRef idx="minor">
+              <a:schemeClr val="tx1"/>
+            </a:fontRef>
+          </p:style>
+        </p:cxnSp>
+        <p:sp>
+          <p:nvSpPr>
+            <p:cNvPr id="62" name="Rectangle 61">
+              <a:extLst>
+                <a:ext uri="{FF2B5EF4-FFF2-40B4-BE49-F238E27FC236}">
+                  <a16:creationId xmlns:a16="http://schemas.microsoft.com/office/drawing/2014/main" id="{AC445212-1A59-B9E1-A344-30D72B903F9C}"/>
+                </a:ext>
+              </a:extLst>
+            </p:cNvPr>
+            <p:cNvSpPr/>
+            <p:nvPr/>
+          </p:nvSpPr>
+          <p:spPr>
+            <a:xfrm>
+              <a:off x="2178285" y="3954285"/>
+              <a:ext cx="73152" cy="73152"/>
+            </a:xfrm>
+            <a:prstGeom prst="rect">
+              <a:avLst/>
+            </a:prstGeom>
+            <a:solidFill>
+              <a:srgbClr val="CCCCCC"/>
+            </a:solidFill>
+            <a:ln>
+              <a:noFill/>
+            </a:ln>
+          </p:spPr>
+          <p:style>
+            <a:lnRef idx="2">
+              <a:schemeClr val="accent1">
+                <a:shade val="15000"/>
+              </a:schemeClr>
+            </a:lnRef>
+            <a:fillRef idx="1">
+              <a:schemeClr val="accent1"/>
+            </a:fillRef>
+            <a:effectRef idx="0">
+              <a:schemeClr val="accent1"/>
+            </a:effectRef>
+            <a:fontRef idx="minor">
+              <a:schemeClr val="lt1"/>
+            </a:fontRef>
+          </p:style>
+          <p:txBody>
+            <a:bodyPr rtlCol="0" anchor="ctr"/>
+            <a:lstStyle/>
+            <a:p>
+              <a:pPr algn="ctr"/>
+              <a:endParaRPr lang="en-US"/>
+            </a:p>
+          </p:txBody>
+        </p:sp>
+        <p:cxnSp>
+          <p:nvCxnSpPr>
+            <p:cNvPr id="63" name="Straight Connector 62">
+              <a:extLst>
+                <a:ext uri="{FF2B5EF4-FFF2-40B4-BE49-F238E27FC236}">
+                  <a16:creationId xmlns:a16="http://schemas.microsoft.com/office/drawing/2014/main" id="{BF5DDB63-2E89-7463-3E2C-550D09038707}"/>
+                </a:ext>
+              </a:extLst>
+            </p:cNvPr>
+            <p:cNvCxnSpPr>
+              <a:cxnSpLocks/>
+            </p:cNvCxnSpPr>
+            <p:nvPr/>
+          </p:nvCxnSpPr>
+          <p:spPr>
+            <a:xfrm flipH="1">
+              <a:off x="2170970" y="3952689"/>
+              <a:ext cx="114434" cy="0"/>
+            </a:xfrm>
+            <a:prstGeom prst="line">
+              <a:avLst/>
+            </a:prstGeom>
+            <a:ln w="3175"/>
+          </p:spPr>
+          <p:style>
+            <a:lnRef idx="1">
+              <a:schemeClr val="dk1"/>
+            </a:lnRef>
+            <a:fillRef idx="0">
+              <a:schemeClr val="dk1"/>
+            </a:fillRef>
+            <a:effectRef idx="0">
+              <a:schemeClr val="dk1"/>
+            </a:effectRef>
+            <a:fontRef idx="minor">
+              <a:schemeClr val="tx1"/>
+            </a:fontRef>
+          </p:style>
+        </p:cxnSp>
+        <p:cxnSp>
+          <p:nvCxnSpPr>
+            <p:cNvPr id="448" name="Straight Connector 447">
+              <a:extLst>
+                <a:ext uri="{FF2B5EF4-FFF2-40B4-BE49-F238E27FC236}">
+                  <a16:creationId xmlns:a16="http://schemas.microsoft.com/office/drawing/2014/main" id="{BA2AF4CF-49B1-F8D3-65BB-B97832353008}"/>
+                </a:ext>
+              </a:extLst>
+            </p:cNvPr>
+            <p:cNvCxnSpPr>
+              <a:cxnSpLocks/>
+            </p:cNvCxnSpPr>
+            <p:nvPr/>
+          </p:nvCxnSpPr>
+          <p:spPr>
+            <a:xfrm flipH="1">
+              <a:off x="2177320" y="4025714"/>
+              <a:ext cx="114434" cy="0"/>
+            </a:xfrm>
+            <a:prstGeom prst="line">
+              <a:avLst/>
+            </a:prstGeom>
+            <a:ln w="3175"/>
+          </p:spPr>
+          <p:style>
+            <a:lnRef idx="1">
+              <a:schemeClr val="dk1"/>
+            </a:lnRef>
+            <a:fillRef idx="0">
+              <a:schemeClr val="dk1"/>
+            </a:fillRef>
+            <a:effectRef idx="0">
+              <a:schemeClr val="dk1"/>
+            </a:effectRef>
+            <a:fontRef idx="minor">
+              <a:schemeClr val="tx1"/>
+            </a:fontRef>
+          </p:style>
+        </p:cxnSp>
+      </p:grpSp>
+      <p:grpSp>
+        <p:nvGrpSpPr>
+          <p:cNvPr id="465" name="Group 464">
+            <a:extLst>
+              <a:ext uri="{FF2B5EF4-FFF2-40B4-BE49-F238E27FC236}">
+                <a16:creationId xmlns:a16="http://schemas.microsoft.com/office/drawing/2014/main" id="{F4AA33B9-B77F-3C30-362C-7FF3457D5496}"/>
+              </a:ext>
+            </a:extLst>
+          </p:cNvPr>
+          <p:cNvGrpSpPr/>
+          <p:nvPr/>
+        </p:nvGrpSpPr>
+        <p:grpSpPr>
+          <a:xfrm>
+            <a:off x="107224" y="2544716"/>
+            <a:ext cx="257370" cy="82296"/>
+            <a:chOff x="2103795" y="3948317"/>
+            <a:chExt cx="257370" cy="82296"/>
+          </a:xfrm>
+        </p:grpSpPr>
+        <p:sp>
+          <p:nvSpPr>
+            <p:cNvPr id="466" name="Triangle 465">
+              <a:extLst>
+                <a:ext uri="{FF2B5EF4-FFF2-40B4-BE49-F238E27FC236}">
+                  <a16:creationId xmlns:a16="http://schemas.microsoft.com/office/drawing/2014/main" id="{81D91559-3296-D777-29B9-F547C9DE0354}"/>
+                </a:ext>
+              </a:extLst>
+            </p:cNvPr>
+            <p:cNvSpPr/>
+            <p:nvPr/>
+          </p:nvSpPr>
+          <p:spPr>
+            <a:xfrm rot="16200000">
+              <a:off x="2102398" y="3952889"/>
+              <a:ext cx="82296" cy="73152"/>
+            </a:xfrm>
+            <a:prstGeom prst="triangle">
+              <a:avLst/>
+            </a:prstGeom>
+            <a:solidFill>
+              <a:srgbClr val="CCCCCC"/>
+            </a:solidFill>
+            <a:ln w="3175">
+              <a:noFill/>
+            </a:ln>
+          </p:spPr>
+          <p:style>
+            <a:lnRef idx="2">
+              <a:schemeClr val="accent1">
+                <a:shade val="15000"/>
+              </a:schemeClr>
+            </a:lnRef>
+            <a:fillRef idx="1">
+              <a:schemeClr val="accent1"/>
+            </a:fillRef>
+            <a:effectRef idx="0">
+              <a:schemeClr val="accent1"/>
+            </a:effectRef>
+            <a:fontRef idx="minor">
+              <a:schemeClr val="lt1"/>
+            </a:fontRef>
+          </p:style>
+          <p:txBody>
+            <a:bodyPr rtlCol="0" anchor="ctr"/>
+            <a:lstStyle/>
+            <a:p>
+              <a:pPr algn="ctr"/>
+              <a:endParaRPr lang="en-US"/>
+            </a:p>
+          </p:txBody>
+        </p:sp>
+        <p:cxnSp>
+          <p:nvCxnSpPr>
+            <p:cNvPr id="467" name="Straight Connector 466">
+              <a:extLst>
+                <a:ext uri="{FF2B5EF4-FFF2-40B4-BE49-F238E27FC236}">
+                  <a16:creationId xmlns:a16="http://schemas.microsoft.com/office/drawing/2014/main" id="{1F409592-B138-F87A-FC11-0DE0096F4769}"/>
+                </a:ext>
+              </a:extLst>
+            </p:cNvPr>
+            <p:cNvCxnSpPr>
+              <a:cxnSpLocks/>
+            </p:cNvCxnSpPr>
+            <p:nvPr/>
+          </p:nvCxnSpPr>
+          <p:spPr>
+            <a:xfrm flipH="1">
+              <a:off x="2103795" y="3951093"/>
+              <a:ext cx="68264" cy="42944"/>
+            </a:xfrm>
+            <a:prstGeom prst="line">
+              <a:avLst/>
+            </a:prstGeom>
+            <a:ln w="3175"/>
+          </p:spPr>
+          <p:style>
+            <a:lnRef idx="1">
+              <a:schemeClr val="dk1"/>
+            </a:lnRef>
+            <a:fillRef idx="0">
+              <a:schemeClr val="dk1"/>
+            </a:fillRef>
+            <a:effectRef idx="0">
+              <a:schemeClr val="dk1"/>
+            </a:effectRef>
+            <a:fontRef idx="minor">
+              <a:schemeClr val="tx1"/>
+            </a:fontRef>
+          </p:style>
+        </p:cxnSp>
+        <p:cxnSp>
+          <p:nvCxnSpPr>
+            <p:cNvPr id="470" name="Straight Connector 469">
+              <a:extLst>
+                <a:ext uri="{FF2B5EF4-FFF2-40B4-BE49-F238E27FC236}">
+                  <a16:creationId xmlns:a16="http://schemas.microsoft.com/office/drawing/2014/main" id="{3D591F12-784C-91A0-0123-B10D4BFF5343}"/>
+                </a:ext>
+              </a:extLst>
+            </p:cNvPr>
+            <p:cNvCxnSpPr>
+              <a:cxnSpLocks/>
+            </p:cNvCxnSpPr>
+            <p:nvPr/>
+          </p:nvCxnSpPr>
+          <p:spPr>
+            <a:xfrm flipH="1" flipV="1">
+              <a:off x="2106969" y="3994738"/>
+              <a:ext cx="73153" cy="32700"/>
+            </a:xfrm>
+            <a:prstGeom prst="line">
+              <a:avLst/>
+            </a:prstGeom>
+            <a:ln w="3175"/>
+          </p:spPr>
+          <p:style>
+            <a:lnRef idx="1">
+              <a:schemeClr val="dk1"/>
+            </a:lnRef>
+            <a:fillRef idx="0">
+              <a:schemeClr val="dk1"/>
+            </a:fillRef>
+            <a:effectRef idx="0">
+              <a:schemeClr val="dk1"/>
+            </a:effectRef>
+            <a:fontRef idx="minor">
+              <a:schemeClr val="tx1"/>
+            </a:fontRef>
+          </p:style>
+        </p:cxnSp>
+        <p:sp>
+          <p:nvSpPr>
+            <p:cNvPr id="473" name="Rectangle 472">
+              <a:extLst>
+                <a:ext uri="{FF2B5EF4-FFF2-40B4-BE49-F238E27FC236}">
+                  <a16:creationId xmlns:a16="http://schemas.microsoft.com/office/drawing/2014/main" id="{9B05A276-8386-03A2-8D95-3A5C236266B1}"/>
+                </a:ext>
+              </a:extLst>
+            </p:cNvPr>
+            <p:cNvSpPr/>
+            <p:nvPr/>
+          </p:nvSpPr>
+          <p:spPr>
+            <a:xfrm>
+              <a:off x="2178285" y="3951110"/>
+              <a:ext cx="182880" cy="73152"/>
+            </a:xfrm>
+            <a:prstGeom prst="rect">
+              <a:avLst/>
+            </a:prstGeom>
+            <a:solidFill>
+              <a:srgbClr val="CCCCCC"/>
+            </a:solidFill>
+            <a:ln>
+              <a:noFill/>
+            </a:ln>
+          </p:spPr>
+          <p:style>
+            <a:lnRef idx="2">
+              <a:schemeClr val="accent1">
+                <a:shade val="15000"/>
+              </a:schemeClr>
+            </a:lnRef>
+            <a:fillRef idx="1">
+              <a:schemeClr val="accent1"/>
+            </a:fillRef>
+            <a:effectRef idx="0">
+              <a:schemeClr val="accent1"/>
+            </a:effectRef>
+            <a:fontRef idx="minor">
+              <a:schemeClr val="lt1"/>
+            </a:fontRef>
+          </p:style>
+          <p:txBody>
+            <a:bodyPr rtlCol="0" anchor="ctr"/>
+            <a:lstStyle/>
+            <a:p>
+              <a:pPr algn="ctr"/>
+              <a:endParaRPr lang="en-US"/>
+            </a:p>
+          </p:txBody>
+        </p:sp>
+        <p:cxnSp>
+          <p:nvCxnSpPr>
+            <p:cNvPr id="474" name="Straight Connector 473">
+              <a:extLst>
+                <a:ext uri="{FF2B5EF4-FFF2-40B4-BE49-F238E27FC236}">
+                  <a16:creationId xmlns:a16="http://schemas.microsoft.com/office/drawing/2014/main" id="{5E1F8F19-50FD-9F06-0021-921355E3F320}"/>
+                </a:ext>
+              </a:extLst>
+            </p:cNvPr>
+            <p:cNvCxnSpPr>
+              <a:cxnSpLocks/>
+            </p:cNvCxnSpPr>
+            <p:nvPr/>
+          </p:nvCxnSpPr>
+          <p:spPr>
+            <a:xfrm flipH="1">
+              <a:off x="2170970" y="3949514"/>
+              <a:ext cx="182880" cy="0"/>
+            </a:xfrm>
+            <a:prstGeom prst="line">
+              <a:avLst/>
+            </a:prstGeom>
+            <a:ln w="3175"/>
+          </p:spPr>
+          <p:style>
+            <a:lnRef idx="1">
+              <a:schemeClr val="dk1"/>
+            </a:lnRef>
+            <a:fillRef idx="0">
+              <a:schemeClr val="dk1"/>
+            </a:fillRef>
+            <a:effectRef idx="0">
+              <a:schemeClr val="dk1"/>
+            </a:effectRef>
+            <a:fontRef idx="minor">
+              <a:schemeClr val="tx1"/>
+            </a:fontRef>
+          </p:style>
+        </p:cxnSp>
+        <p:cxnSp>
+          <p:nvCxnSpPr>
+            <p:cNvPr id="475" name="Straight Connector 474">
+              <a:extLst>
+                <a:ext uri="{FF2B5EF4-FFF2-40B4-BE49-F238E27FC236}">
+                  <a16:creationId xmlns:a16="http://schemas.microsoft.com/office/drawing/2014/main" id="{E5AF8699-64AD-DD48-B339-29EAB569A528}"/>
+                </a:ext>
+              </a:extLst>
+            </p:cNvPr>
+            <p:cNvCxnSpPr>
+              <a:cxnSpLocks/>
+            </p:cNvCxnSpPr>
+            <p:nvPr/>
+          </p:nvCxnSpPr>
+          <p:spPr>
+            <a:xfrm flipH="1">
+              <a:off x="2177320" y="4025714"/>
+              <a:ext cx="182880" cy="0"/>
+            </a:xfrm>
+            <a:prstGeom prst="line">
+              <a:avLst/>
+            </a:prstGeom>
+            <a:ln w="3175"/>
+          </p:spPr>
+          <p:style>
+            <a:lnRef idx="1">
+              <a:schemeClr val="dk1"/>
+            </a:lnRef>
+            <a:fillRef idx="0">
+              <a:schemeClr val="dk1"/>
+            </a:fillRef>
+            <a:effectRef idx="0">
+              <a:schemeClr val="dk1"/>
+            </a:effectRef>
+            <a:fontRef idx="minor">
+              <a:schemeClr val="tx1"/>
+            </a:fontRef>
+          </p:style>
+        </p:cxnSp>
+      </p:grpSp>
+      <p:grpSp>
+        <p:nvGrpSpPr>
+          <p:cNvPr id="476" name="Group 475">
+            <a:extLst>
+              <a:ext uri="{FF2B5EF4-FFF2-40B4-BE49-F238E27FC236}">
+                <a16:creationId xmlns:a16="http://schemas.microsoft.com/office/drawing/2014/main" id="{81CF3362-4EF0-B741-8894-0C0F3C8FED17}"/>
+              </a:ext>
+            </a:extLst>
+          </p:cNvPr>
+          <p:cNvGrpSpPr/>
+          <p:nvPr/>
+        </p:nvGrpSpPr>
+        <p:grpSpPr>
+          <a:xfrm>
+            <a:off x="2084483" y="2514078"/>
+            <a:ext cx="187959" cy="82296"/>
+            <a:chOff x="2103795" y="3948317"/>
+            <a:chExt cx="187959" cy="82296"/>
+          </a:xfrm>
+        </p:grpSpPr>
+        <p:sp>
+          <p:nvSpPr>
+            <p:cNvPr id="477" name="Triangle 476">
+              <a:extLst>
+                <a:ext uri="{FF2B5EF4-FFF2-40B4-BE49-F238E27FC236}">
+                  <a16:creationId xmlns:a16="http://schemas.microsoft.com/office/drawing/2014/main" id="{65FE034F-7603-80ED-7777-E1B9C63A6AC1}"/>
+                </a:ext>
+              </a:extLst>
+            </p:cNvPr>
+            <p:cNvSpPr/>
+            <p:nvPr/>
+          </p:nvSpPr>
+          <p:spPr>
+            <a:xfrm rot="16200000">
+              <a:off x="2102398" y="3952889"/>
+              <a:ext cx="82296" cy="73152"/>
+            </a:xfrm>
+            <a:prstGeom prst="triangle">
+              <a:avLst/>
+            </a:prstGeom>
+            <a:solidFill>
+              <a:srgbClr val="CCCCCC"/>
+            </a:solidFill>
+            <a:ln w="3175">
+              <a:noFill/>
+            </a:ln>
+          </p:spPr>
+          <p:style>
+            <a:lnRef idx="2">
+              <a:schemeClr val="accent1">
+                <a:shade val="15000"/>
+              </a:schemeClr>
+            </a:lnRef>
+            <a:fillRef idx="1">
+              <a:schemeClr val="accent1"/>
+            </a:fillRef>
+            <a:effectRef idx="0">
+              <a:schemeClr val="accent1"/>
+            </a:effectRef>
+            <a:fontRef idx="minor">
+              <a:schemeClr val="lt1"/>
+            </a:fontRef>
+          </p:style>
+          <p:txBody>
+            <a:bodyPr rtlCol="0" anchor="ctr"/>
+            <a:lstStyle/>
+            <a:p>
+              <a:pPr algn="ctr"/>
+              <a:endParaRPr lang="en-US"/>
+            </a:p>
+          </p:txBody>
+        </p:sp>
+        <p:cxnSp>
+          <p:nvCxnSpPr>
+            <p:cNvPr id="478" name="Straight Connector 477">
+              <a:extLst>
+                <a:ext uri="{FF2B5EF4-FFF2-40B4-BE49-F238E27FC236}">
+                  <a16:creationId xmlns:a16="http://schemas.microsoft.com/office/drawing/2014/main" id="{30785400-BC81-7FEC-901D-659284400902}"/>
+                </a:ext>
+              </a:extLst>
+            </p:cNvPr>
+            <p:cNvCxnSpPr>
+              <a:cxnSpLocks/>
+            </p:cNvCxnSpPr>
+            <p:nvPr/>
+          </p:nvCxnSpPr>
+          <p:spPr>
+            <a:xfrm flipH="1">
+              <a:off x="2103795" y="3951093"/>
+              <a:ext cx="68264" cy="42944"/>
+            </a:xfrm>
+            <a:prstGeom prst="line">
+              <a:avLst/>
+            </a:prstGeom>
+            <a:ln w="3175"/>
+          </p:spPr>
+          <p:style>
+            <a:lnRef idx="1">
+              <a:schemeClr val="dk1"/>
+            </a:lnRef>
+            <a:fillRef idx="0">
+              <a:schemeClr val="dk1"/>
+            </a:fillRef>
+            <a:effectRef idx="0">
+              <a:schemeClr val="dk1"/>
+            </a:effectRef>
+            <a:fontRef idx="minor">
+              <a:schemeClr val="tx1"/>
+            </a:fontRef>
+          </p:style>
+        </p:cxnSp>
+        <p:cxnSp>
+          <p:nvCxnSpPr>
+            <p:cNvPr id="479" name="Straight Connector 478">
+              <a:extLst>
+                <a:ext uri="{FF2B5EF4-FFF2-40B4-BE49-F238E27FC236}">
+                  <a16:creationId xmlns:a16="http://schemas.microsoft.com/office/drawing/2014/main" id="{151AE4FE-7CE2-F3D0-B4AC-CDF1B5A2BC43}"/>
+                </a:ext>
+              </a:extLst>
+            </p:cNvPr>
+            <p:cNvCxnSpPr>
+              <a:cxnSpLocks/>
+            </p:cNvCxnSpPr>
+            <p:nvPr/>
+          </p:nvCxnSpPr>
+          <p:spPr>
+            <a:xfrm flipH="1" flipV="1">
+              <a:off x="2106969" y="3994738"/>
+              <a:ext cx="73153" cy="32700"/>
+            </a:xfrm>
+            <a:prstGeom prst="line">
+              <a:avLst/>
+            </a:prstGeom>
+            <a:ln w="3175"/>
+          </p:spPr>
+          <p:style>
+            <a:lnRef idx="1">
+              <a:schemeClr val="dk1"/>
+            </a:lnRef>
+            <a:fillRef idx="0">
+              <a:schemeClr val="dk1"/>
+            </a:fillRef>
+            <a:effectRef idx="0">
+              <a:schemeClr val="dk1"/>
+            </a:effectRef>
+            <a:fontRef idx="minor">
+              <a:schemeClr val="tx1"/>
+            </a:fontRef>
+          </p:style>
+        </p:cxnSp>
+        <p:sp>
+          <p:nvSpPr>
+            <p:cNvPr id="480" name="Rectangle 479">
+              <a:extLst>
+                <a:ext uri="{FF2B5EF4-FFF2-40B4-BE49-F238E27FC236}">
+                  <a16:creationId xmlns:a16="http://schemas.microsoft.com/office/drawing/2014/main" id="{F3D641D8-AA15-7B84-215A-4A74508A6801}"/>
+                </a:ext>
+              </a:extLst>
+            </p:cNvPr>
+            <p:cNvSpPr/>
+            <p:nvPr/>
+          </p:nvSpPr>
+          <p:spPr>
+            <a:xfrm>
+              <a:off x="2178285" y="3954285"/>
+              <a:ext cx="73152" cy="73152"/>
+            </a:xfrm>
+            <a:prstGeom prst="rect">
+              <a:avLst/>
+            </a:prstGeom>
+            <a:solidFill>
+              <a:srgbClr val="CCCCCC"/>
+            </a:solidFill>
+            <a:ln>
+              <a:noFill/>
+            </a:ln>
+          </p:spPr>
+          <p:style>
+            <a:lnRef idx="2">
+              <a:schemeClr val="accent1">
+                <a:shade val="15000"/>
+              </a:schemeClr>
+            </a:lnRef>
+            <a:fillRef idx="1">
+              <a:schemeClr val="accent1"/>
+            </a:fillRef>
+            <a:effectRef idx="0">
+              <a:schemeClr val="accent1"/>
+            </a:effectRef>
+            <a:fontRef idx="minor">
+              <a:schemeClr val="lt1"/>
+            </a:fontRef>
+          </p:style>
+          <p:txBody>
+            <a:bodyPr rtlCol="0" anchor="ctr"/>
+            <a:lstStyle/>
+            <a:p>
+              <a:pPr algn="ctr"/>
+              <a:endParaRPr lang="en-US"/>
+            </a:p>
+          </p:txBody>
+        </p:sp>
+        <p:cxnSp>
+          <p:nvCxnSpPr>
+            <p:cNvPr id="481" name="Straight Connector 480">
+              <a:extLst>
+                <a:ext uri="{FF2B5EF4-FFF2-40B4-BE49-F238E27FC236}">
+                  <a16:creationId xmlns:a16="http://schemas.microsoft.com/office/drawing/2014/main" id="{5F5D02A2-3E13-3FAE-86ED-C19B6E888EE3}"/>
+                </a:ext>
+              </a:extLst>
+            </p:cNvPr>
+            <p:cNvCxnSpPr>
+              <a:cxnSpLocks/>
+            </p:cNvCxnSpPr>
+            <p:nvPr/>
+          </p:nvCxnSpPr>
+          <p:spPr>
+            <a:xfrm flipH="1">
+              <a:off x="2170970" y="3952689"/>
+              <a:ext cx="114434" cy="0"/>
+            </a:xfrm>
+            <a:prstGeom prst="line">
+              <a:avLst/>
+            </a:prstGeom>
+            <a:ln w="3175"/>
+          </p:spPr>
+          <p:style>
+            <a:lnRef idx="1">
+              <a:schemeClr val="dk1"/>
+            </a:lnRef>
+            <a:fillRef idx="0">
+              <a:schemeClr val="dk1"/>
+            </a:fillRef>
+            <a:effectRef idx="0">
+              <a:schemeClr val="dk1"/>
+            </a:effectRef>
+            <a:fontRef idx="minor">
+              <a:schemeClr val="tx1"/>
+            </a:fontRef>
+          </p:style>
+        </p:cxnSp>
+        <p:cxnSp>
+          <p:nvCxnSpPr>
+            <p:cNvPr id="482" name="Straight Connector 481">
+              <a:extLst>
+                <a:ext uri="{FF2B5EF4-FFF2-40B4-BE49-F238E27FC236}">
+                  <a16:creationId xmlns:a16="http://schemas.microsoft.com/office/drawing/2014/main" id="{2FF42BD2-86FB-6891-C94D-6983A21F8E53}"/>
+                </a:ext>
+              </a:extLst>
+            </p:cNvPr>
+            <p:cNvCxnSpPr>
+              <a:cxnSpLocks/>
+            </p:cNvCxnSpPr>
+            <p:nvPr/>
+          </p:nvCxnSpPr>
+          <p:spPr>
+            <a:xfrm flipH="1">
+              <a:off x="2177320" y="4025714"/>
+              <a:ext cx="114434" cy="0"/>
+            </a:xfrm>
+            <a:prstGeom prst="line">
+              <a:avLst/>
+            </a:prstGeom>
+            <a:ln w="3175"/>
+          </p:spPr>
+          <p:style>
+            <a:lnRef idx="1">
+              <a:schemeClr val="dk1"/>
+            </a:lnRef>
+            <a:fillRef idx="0">
+              <a:schemeClr val="dk1"/>
+            </a:fillRef>
+            <a:effectRef idx="0">
+              <a:schemeClr val="dk1"/>
+            </a:effectRef>
+            <a:fontRef idx="minor">
+              <a:schemeClr val="tx1"/>
+            </a:fontRef>
+          </p:style>
+        </p:cxnSp>
+      </p:grpSp>
+      <p:grpSp>
+        <p:nvGrpSpPr>
+          <p:cNvPr id="497" name="Group 496">
+            <a:extLst>
+              <a:ext uri="{FF2B5EF4-FFF2-40B4-BE49-F238E27FC236}">
+                <a16:creationId xmlns:a16="http://schemas.microsoft.com/office/drawing/2014/main" id="{5B697974-9B03-9DF6-E188-7F4CD978D773}"/>
+              </a:ext>
+            </a:extLst>
+          </p:cNvPr>
+          <p:cNvGrpSpPr/>
+          <p:nvPr/>
+        </p:nvGrpSpPr>
+        <p:grpSpPr>
+          <a:xfrm>
+            <a:off x="4087076" y="5122290"/>
+            <a:ext cx="187959" cy="82296"/>
+            <a:chOff x="2103795" y="3948317"/>
+            <a:chExt cx="187959" cy="82296"/>
+          </a:xfrm>
+        </p:grpSpPr>
+        <p:sp>
+          <p:nvSpPr>
+            <p:cNvPr id="498" name="Triangle 497">
+              <a:extLst>
+                <a:ext uri="{FF2B5EF4-FFF2-40B4-BE49-F238E27FC236}">
+                  <a16:creationId xmlns:a16="http://schemas.microsoft.com/office/drawing/2014/main" id="{CF17CDCC-E27D-8252-F20A-0B0F4C87FC1A}"/>
+                </a:ext>
+              </a:extLst>
+            </p:cNvPr>
+            <p:cNvSpPr/>
+            <p:nvPr/>
+          </p:nvSpPr>
+          <p:spPr>
+            <a:xfrm rot="16200000">
+              <a:off x="2102398" y="3952889"/>
+              <a:ext cx="82296" cy="73152"/>
+            </a:xfrm>
+            <a:prstGeom prst="triangle">
+              <a:avLst/>
+            </a:prstGeom>
+            <a:solidFill>
+              <a:srgbClr val="CCCCCC"/>
+            </a:solidFill>
+            <a:ln w="3175">
+              <a:noFill/>
+            </a:ln>
+          </p:spPr>
+          <p:style>
+            <a:lnRef idx="2">
+              <a:schemeClr val="accent1">
+                <a:shade val="15000"/>
+              </a:schemeClr>
+            </a:lnRef>
+            <a:fillRef idx="1">
+              <a:schemeClr val="accent1"/>
+            </a:fillRef>
+            <a:effectRef idx="0">
+              <a:schemeClr val="accent1"/>
+            </a:effectRef>
+            <a:fontRef idx="minor">
+              <a:schemeClr val="lt1"/>
+            </a:fontRef>
+          </p:style>
+          <p:txBody>
+            <a:bodyPr rtlCol="0" anchor="ctr"/>
+            <a:lstStyle/>
+            <a:p>
+              <a:pPr algn="ctr"/>
+              <a:endParaRPr lang="en-US"/>
+            </a:p>
+          </p:txBody>
+        </p:sp>
+        <p:cxnSp>
+          <p:nvCxnSpPr>
+            <p:cNvPr id="499" name="Straight Connector 498">
+              <a:extLst>
+                <a:ext uri="{FF2B5EF4-FFF2-40B4-BE49-F238E27FC236}">
+                  <a16:creationId xmlns:a16="http://schemas.microsoft.com/office/drawing/2014/main" id="{C622167D-0AE9-A569-1B1E-CADEAB7A8911}"/>
+                </a:ext>
+              </a:extLst>
+            </p:cNvPr>
+            <p:cNvCxnSpPr>
+              <a:cxnSpLocks/>
+            </p:cNvCxnSpPr>
+            <p:nvPr/>
+          </p:nvCxnSpPr>
+          <p:spPr>
+            <a:xfrm flipH="1">
+              <a:off x="2103795" y="3951093"/>
+              <a:ext cx="68264" cy="42944"/>
+            </a:xfrm>
+            <a:prstGeom prst="line">
+              <a:avLst/>
+            </a:prstGeom>
+            <a:ln w="3175"/>
+          </p:spPr>
+          <p:style>
+            <a:lnRef idx="1">
+              <a:schemeClr val="dk1"/>
+            </a:lnRef>
+            <a:fillRef idx="0">
+              <a:schemeClr val="dk1"/>
+            </a:fillRef>
+            <a:effectRef idx="0">
+              <a:schemeClr val="dk1"/>
+            </a:effectRef>
+            <a:fontRef idx="minor">
+              <a:schemeClr val="tx1"/>
+            </a:fontRef>
+          </p:style>
+        </p:cxnSp>
+        <p:cxnSp>
+          <p:nvCxnSpPr>
+            <p:cNvPr id="500" name="Straight Connector 499">
+              <a:extLst>
+                <a:ext uri="{FF2B5EF4-FFF2-40B4-BE49-F238E27FC236}">
+                  <a16:creationId xmlns:a16="http://schemas.microsoft.com/office/drawing/2014/main" id="{C0D48651-475E-9823-AF69-61B46DF1DD05}"/>
+                </a:ext>
+              </a:extLst>
+            </p:cNvPr>
+            <p:cNvCxnSpPr>
+              <a:cxnSpLocks/>
+            </p:cNvCxnSpPr>
+            <p:nvPr/>
+          </p:nvCxnSpPr>
+          <p:spPr>
+            <a:xfrm flipH="1" flipV="1">
+              <a:off x="2106969" y="3994738"/>
+              <a:ext cx="73153" cy="32700"/>
+            </a:xfrm>
+            <a:prstGeom prst="line">
+              <a:avLst/>
+            </a:prstGeom>
+            <a:ln w="3175"/>
+          </p:spPr>
+          <p:style>
+            <a:lnRef idx="1">
+              <a:schemeClr val="dk1"/>
+            </a:lnRef>
+            <a:fillRef idx="0">
+              <a:schemeClr val="dk1"/>
+            </a:fillRef>
+            <a:effectRef idx="0">
+              <a:schemeClr val="dk1"/>
+            </a:effectRef>
+            <a:fontRef idx="minor">
+              <a:schemeClr val="tx1"/>
+            </a:fontRef>
+          </p:style>
+        </p:cxnSp>
+        <p:sp>
+          <p:nvSpPr>
+            <p:cNvPr id="501" name="Rectangle 500">
+              <a:extLst>
+                <a:ext uri="{FF2B5EF4-FFF2-40B4-BE49-F238E27FC236}">
+                  <a16:creationId xmlns:a16="http://schemas.microsoft.com/office/drawing/2014/main" id="{9AC48E17-62E6-3F50-BF79-066F27E117B7}"/>
+                </a:ext>
+              </a:extLst>
+            </p:cNvPr>
+            <p:cNvSpPr/>
+            <p:nvPr/>
+          </p:nvSpPr>
+          <p:spPr>
+            <a:xfrm>
+              <a:off x="2178285" y="3954285"/>
+              <a:ext cx="73152" cy="73152"/>
+            </a:xfrm>
+            <a:prstGeom prst="rect">
+              <a:avLst/>
+            </a:prstGeom>
+            <a:solidFill>
+              <a:srgbClr val="CCCCCC"/>
+            </a:solidFill>
+            <a:ln>
+              <a:noFill/>
+            </a:ln>
+          </p:spPr>
+          <p:style>
+            <a:lnRef idx="2">
+              <a:schemeClr val="accent1">
+                <a:shade val="15000"/>
+              </a:schemeClr>
+            </a:lnRef>
+            <a:fillRef idx="1">
+              <a:schemeClr val="accent1"/>
+            </a:fillRef>
+            <a:effectRef idx="0">
+              <a:schemeClr val="accent1"/>
+            </a:effectRef>
+            <a:fontRef idx="minor">
+              <a:schemeClr val="lt1"/>
+            </a:fontRef>
+          </p:style>
+          <p:txBody>
+            <a:bodyPr rtlCol="0" anchor="ctr"/>
+            <a:lstStyle/>
+            <a:p>
+              <a:pPr algn="ctr"/>
+              <a:endParaRPr lang="en-US"/>
+            </a:p>
+          </p:txBody>
+        </p:sp>
+        <p:cxnSp>
+          <p:nvCxnSpPr>
+            <p:cNvPr id="502" name="Straight Connector 501">
+              <a:extLst>
+                <a:ext uri="{FF2B5EF4-FFF2-40B4-BE49-F238E27FC236}">
+                  <a16:creationId xmlns:a16="http://schemas.microsoft.com/office/drawing/2014/main" id="{23837BDF-32F4-1EC9-869D-3E25AA8BADBC}"/>
+                </a:ext>
+              </a:extLst>
+            </p:cNvPr>
+            <p:cNvCxnSpPr>
+              <a:cxnSpLocks/>
+            </p:cNvCxnSpPr>
+            <p:nvPr/>
+          </p:nvCxnSpPr>
+          <p:spPr>
+            <a:xfrm flipH="1">
+              <a:off x="2170970" y="3952689"/>
+              <a:ext cx="114434" cy="0"/>
+            </a:xfrm>
+            <a:prstGeom prst="line">
+              <a:avLst/>
+            </a:prstGeom>
+            <a:ln w="3175"/>
+          </p:spPr>
+          <p:style>
+            <a:lnRef idx="1">
+              <a:schemeClr val="dk1"/>
+            </a:lnRef>
+            <a:fillRef idx="0">
+              <a:schemeClr val="dk1"/>
+            </a:fillRef>
+            <a:effectRef idx="0">
+              <a:schemeClr val="dk1"/>
+            </a:effectRef>
+            <a:fontRef idx="minor">
+              <a:schemeClr val="tx1"/>
+            </a:fontRef>
+          </p:style>
+        </p:cxnSp>
+        <p:cxnSp>
+          <p:nvCxnSpPr>
+            <p:cNvPr id="503" name="Straight Connector 502">
+              <a:extLst>
+                <a:ext uri="{FF2B5EF4-FFF2-40B4-BE49-F238E27FC236}">
+                  <a16:creationId xmlns:a16="http://schemas.microsoft.com/office/drawing/2014/main" id="{7ABFA6C3-3A02-4B4C-6232-F64EF690F91B}"/>
+                </a:ext>
+              </a:extLst>
+            </p:cNvPr>
+            <p:cNvCxnSpPr>
+              <a:cxnSpLocks/>
+            </p:cNvCxnSpPr>
+            <p:nvPr/>
+          </p:nvCxnSpPr>
+          <p:spPr>
+            <a:xfrm flipH="1">
+              <a:off x="2177320" y="4028889"/>
+              <a:ext cx="114434" cy="0"/>
+            </a:xfrm>
+            <a:prstGeom prst="line">
+              <a:avLst/>
+            </a:prstGeom>
+            <a:ln w="3175"/>
+          </p:spPr>
+          <p:style>
+            <a:lnRef idx="1">
+              <a:schemeClr val="dk1"/>
+            </a:lnRef>
+            <a:fillRef idx="0">
+              <a:schemeClr val="dk1"/>
+            </a:fillRef>
+            <a:effectRef idx="0">
+              <a:schemeClr val="dk1"/>
+            </a:effectRef>
+            <a:fontRef idx="minor">
+              <a:schemeClr val="tx1"/>
+            </a:fontRef>
+          </p:style>
+        </p:cxnSp>
+      </p:grpSp>
+      <p:grpSp>
+        <p:nvGrpSpPr>
+          <p:cNvPr id="505" name="Group 504">
+            <a:extLst>
+              <a:ext uri="{FF2B5EF4-FFF2-40B4-BE49-F238E27FC236}">
+                <a16:creationId xmlns:a16="http://schemas.microsoft.com/office/drawing/2014/main" id="{F98D2E9F-8B5C-EEF4-A85C-590660568F80}"/>
+              </a:ext>
+            </a:extLst>
+          </p:cNvPr>
+          <p:cNvGrpSpPr/>
+          <p:nvPr/>
+        </p:nvGrpSpPr>
+        <p:grpSpPr>
+          <a:xfrm>
+            <a:off x="4051552" y="3924825"/>
+            <a:ext cx="238117" cy="82296"/>
+            <a:chOff x="2103795" y="3948317"/>
+            <a:chExt cx="238117" cy="82296"/>
+          </a:xfrm>
+        </p:grpSpPr>
+        <p:sp>
+          <p:nvSpPr>
+            <p:cNvPr id="506" name="Triangle 505">
+              <a:extLst>
+                <a:ext uri="{FF2B5EF4-FFF2-40B4-BE49-F238E27FC236}">
+                  <a16:creationId xmlns:a16="http://schemas.microsoft.com/office/drawing/2014/main" id="{7F8D4896-C926-E22F-5E41-558F4CFF86B9}"/>
+                </a:ext>
+              </a:extLst>
+            </p:cNvPr>
+            <p:cNvSpPr/>
+            <p:nvPr/>
+          </p:nvSpPr>
+          <p:spPr>
+            <a:xfrm rot="16200000">
+              <a:off x="2102398" y="3952889"/>
+              <a:ext cx="82296" cy="73152"/>
+            </a:xfrm>
+            <a:prstGeom prst="triangle">
+              <a:avLst/>
+            </a:prstGeom>
+            <a:solidFill>
+              <a:srgbClr val="CCCCCC"/>
+            </a:solidFill>
+            <a:ln w="3175">
+              <a:noFill/>
+            </a:ln>
+          </p:spPr>
+          <p:style>
+            <a:lnRef idx="2">
+              <a:schemeClr val="accent1">
+                <a:shade val="15000"/>
+              </a:schemeClr>
+            </a:lnRef>
+            <a:fillRef idx="1">
+              <a:schemeClr val="accent1"/>
+            </a:fillRef>
+            <a:effectRef idx="0">
+              <a:schemeClr val="accent1"/>
+            </a:effectRef>
+            <a:fontRef idx="minor">
+              <a:schemeClr val="lt1"/>
+            </a:fontRef>
+          </p:style>
+          <p:txBody>
+            <a:bodyPr rtlCol="0" anchor="ctr"/>
+            <a:lstStyle/>
+            <a:p>
+              <a:pPr algn="ctr"/>
+              <a:endParaRPr lang="en-US"/>
+            </a:p>
+          </p:txBody>
+        </p:sp>
+        <p:cxnSp>
+          <p:nvCxnSpPr>
+            <p:cNvPr id="507" name="Straight Connector 506">
+              <a:extLst>
+                <a:ext uri="{FF2B5EF4-FFF2-40B4-BE49-F238E27FC236}">
+                  <a16:creationId xmlns:a16="http://schemas.microsoft.com/office/drawing/2014/main" id="{95091B4F-778A-5360-15FC-EE7FA26F7AFE}"/>
+                </a:ext>
+              </a:extLst>
+            </p:cNvPr>
+            <p:cNvCxnSpPr>
+              <a:cxnSpLocks/>
+            </p:cNvCxnSpPr>
+            <p:nvPr/>
+          </p:nvCxnSpPr>
+          <p:spPr>
+            <a:xfrm flipH="1">
+              <a:off x="2103795" y="3951093"/>
+              <a:ext cx="68264" cy="42944"/>
+            </a:xfrm>
+            <a:prstGeom prst="line">
+              <a:avLst/>
+            </a:prstGeom>
+            <a:ln w="3175"/>
+          </p:spPr>
+          <p:style>
+            <a:lnRef idx="1">
+              <a:schemeClr val="dk1"/>
+            </a:lnRef>
+            <a:fillRef idx="0">
+              <a:schemeClr val="dk1"/>
+            </a:fillRef>
+            <a:effectRef idx="0">
+              <a:schemeClr val="dk1"/>
+            </a:effectRef>
+            <a:fontRef idx="minor">
+              <a:schemeClr val="tx1"/>
+            </a:fontRef>
+          </p:style>
+        </p:cxnSp>
+        <p:cxnSp>
+          <p:nvCxnSpPr>
+            <p:cNvPr id="508" name="Straight Connector 507">
+              <a:extLst>
+                <a:ext uri="{FF2B5EF4-FFF2-40B4-BE49-F238E27FC236}">
+                  <a16:creationId xmlns:a16="http://schemas.microsoft.com/office/drawing/2014/main" id="{303E0550-92BB-A827-C095-DB779C6A4095}"/>
+                </a:ext>
+              </a:extLst>
+            </p:cNvPr>
+            <p:cNvCxnSpPr>
+              <a:cxnSpLocks/>
+            </p:cNvCxnSpPr>
+            <p:nvPr/>
+          </p:nvCxnSpPr>
+          <p:spPr>
+            <a:xfrm flipH="1" flipV="1">
+              <a:off x="2106969" y="3994738"/>
+              <a:ext cx="73153" cy="32700"/>
+            </a:xfrm>
+            <a:prstGeom prst="line">
+              <a:avLst/>
+            </a:prstGeom>
+            <a:ln w="3175"/>
+          </p:spPr>
+          <p:style>
+            <a:lnRef idx="1">
+              <a:schemeClr val="dk1"/>
+            </a:lnRef>
+            <a:fillRef idx="0">
+              <a:schemeClr val="dk1"/>
+            </a:fillRef>
+            <a:effectRef idx="0">
+              <a:schemeClr val="dk1"/>
+            </a:effectRef>
+            <a:fontRef idx="minor">
+              <a:schemeClr val="tx1"/>
+            </a:fontRef>
+          </p:style>
+        </p:cxnSp>
+        <p:sp>
+          <p:nvSpPr>
+            <p:cNvPr id="509" name="Rectangle 508">
+              <a:extLst>
+                <a:ext uri="{FF2B5EF4-FFF2-40B4-BE49-F238E27FC236}">
+                  <a16:creationId xmlns:a16="http://schemas.microsoft.com/office/drawing/2014/main" id="{ADA09BD0-399F-B1A7-083C-45A351A6FC09}"/>
+                </a:ext>
+              </a:extLst>
+            </p:cNvPr>
+            <p:cNvSpPr/>
+            <p:nvPr/>
+          </p:nvSpPr>
+          <p:spPr>
+            <a:xfrm>
+              <a:off x="2178285" y="3951110"/>
+              <a:ext cx="146304" cy="73152"/>
+            </a:xfrm>
+            <a:prstGeom prst="rect">
+              <a:avLst/>
+            </a:prstGeom>
+            <a:solidFill>
+              <a:srgbClr val="CCCCCC"/>
+            </a:solidFill>
+            <a:ln>
+              <a:noFill/>
+            </a:ln>
+          </p:spPr>
+          <p:style>
+            <a:lnRef idx="2">
+              <a:schemeClr val="accent1">
+                <a:shade val="15000"/>
+              </a:schemeClr>
+            </a:lnRef>
+            <a:fillRef idx="1">
+              <a:schemeClr val="accent1"/>
+            </a:fillRef>
+            <a:effectRef idx="0">
+              <a:schemeClr val="accent1"/>
+            </a:effectRef>
+            <a:fontRef idx="minor">
+              <a:schemeClr val="lt1"/>
+            </a:fontRef>
+          </p:style>
+          <p:txBody>
+            <a:bodyPr rtlCol="0" anchor="ctr"/>
+            <a:lstStyle/>
+            <a:p>
+              <a:pPr algn="ctr"/>
+              <a:endParaRPr lang="en-US"/>
+            </a:p>
+          </p:txBody>
+        </p:sp>
+        <p:cxnSp>
+          <p:nvCxnSpPr>
+            <p:cNvPr id="510" name="Straight Connector 509">
+              <a:extLst>
+                <a:ext uri="{FF2B5EF4-FFF2-40B4-BE49-F238E27FC236}">
+                  <a16:creationId xmlns:a16="http://schemas.microsoft.com/office/drawing/2014/main" id="{11EAF9D6-39E1-928C-1143-E200CB472DFF}"/>
+                </a:ext>
+              </a:extLst>
+            </p:cNvPr>
+            <p:cNvCxnSpPr>
+              <a:cxnSpLocks/>
+            </p:cNvCxnSpPr>
+            <p:nvPr/>
+          </p:nvCxnSpPr>
+          <p:spPr>
+            <a:xfrm flipH="1">
+              <a:off x="2170970" y="3949514"/>
+              <a:ext cx="164592" cy="0"/>
+            </a:xfrm>
+            <a:prstGeom prst="line">
+              <a:avLst/>
+            </a:prstGeom>
+            <a:ln w="3175"/>
+          </p:spPr>
+          <p:style>
+            <a:lnRef idx="1">
+              <a:schemeClr val="dk1"/>
+            </a:lnRef>
+            <a:fillRef idx="0">
+              <a:schemeClr val="dk1"/>
+            </a:fillRef>
+            <a:effectRef idx="0">
+              <a:schemeClr val="dk1"/>
+            </a:effectRef>
+            <a:fontRef idx="minor">
+              <a:schemeClr val="tx1"/>
+            </a:fontRef>
+          </p:style>
+        </p:cxnSp>
+        <p:cxnSp>
+          <p:nvCxnSpPr>
+            <p:cNvPr id="511" name="Straight Connector 510">
+              <a:extLst>
+                <a:ext uri="{FF2B5EF4-FFF2-40B4-BE49-F238E27FC236}">
+                  <a16:creationId xmlns:a16="http://schemas.microsoft.com/office/drawing/2014/main" id="{5F075D26-9D3D-27FA-D169-5A82194677A8}"/>
+                </a:ext>
+              </a:extLst>
+            </p:cNvPr>
+            <p:cNvCxnSpPr>
+              <a:cxnSpLocks/>
+            </p:cNvCxnSpPr>
+            <p:nvPr/>
+          </p:nvCxnSpPr>
+          <p:spPr>
+            <a:xfrm flipH="1">
+              <a:off x="2177320" y="4025714"/>
+              <a:ext cx="164592" cy="0"/>
+            </a:xfrm>
+            <a:prstGeom prst="line">
+              <a:avLst/>
+            </a:prstGeom>
+            <a:ln w="3175"/>
+          </p:spPr>
+          <p:style>
+            <a:lnRef idx="1">
+              <a:schemeClr val="dk1"/>
+            </a:lnRef>
+            <a:fillRef idx="0">
+              <a:schemeClr val="dk1"/>
+            </a:fillRef>
+            <a:effectRef idx="0">
+              <a:schemeClr val="dk1"/>
+            </a:effectRef>
+            <a:fontRef idx="minor">
+              <a:schemeClr val="tx1"/>
+            </a:fontRef>
+          </p:style>
+        </p:cxnSp>
+      </p:grpSp>
+      <p:grpSp>
+        <p:nvGrpSpPr>
+          <p:cNvPr id="71" name="Group 70">
+            <a:extLst>
+              <a:ext uri="{FF2B5EF4-FFF2-40B4-BE49-F238E27FC236}">
+                <a16:creationId xmlns:a16="http://schemas.microsoft.com/office/drawing/2014/main" id="{4C0DD070-753B-81A8-AD06-EB61F36F31EA}"/>
+              </a:ext>
+            </a:extLst>
+          </p:cNvPr>
+          <p:cNvGrpSpPr/>
+          <p:nvPr/>
+        </p:nvGrpSpPr>
+        <p:grpSpPr>
+          <a:xfrm>
+            <a:off x="4068044" y="2486285"/>
+            <a:ext cx="238117" cy="82296"/>
+            <a:chOff x="2103795" y="3948317"/>
+            <a:chExt cx="238117" cy="82296"/>
+          </a:xfrm>
+        </p:grpSpPr>
+        <p:sp>
+          <p:nvSpPr>
+            <p:cNvPr id="72" name="Triangle 71">
+              <a:extLst>
+                <a:ext uri="{FF2B5EF4-FFF2-40B4-BE49-F238E27FC236}">
+                  <a16:creationId xmlns:a16="http://schemas.microsoft.com/office/drawing/2014/main" id="{5F33D02A-62BF-3444-1D7B-871B5BE3AF4F}"/>
+                </a:ext>
+              </a:extLst>
+            </p:cNvPr>
+            <p:cNvSpPr/>
+            <p:nvPr/>
+          </p:nvSpPr>
+          <p:spPr>
+            <a:xfrm rot="16200000">
+              <a:off x="2102398" y="3952889"/>
+              <a:ext cx="82296" cy="73152"/>
+            </a:xfrm>
+            <a:prstGeom prst="triangle">
+              <a:avLst/>
+            </a:prstGeom>
+            <a:solidFill>
+              <a:srgbClr val="CCCCCC"/>
+            </a:solidFill>
+            <a:ln w="3175">
+              <a:noFill/>
+            </a:ln>
+          </p:spPr>
+          <p:style>
+            <a:lnRef idx="2">
+              <a:schemeClr val="accent1">
+                <a:shade val="15000"/>
+              </a:schemeClr>
+            </a:lnRef>
+            <a:fillRef idx="1">
+              <a:schemeClr val="accent1"/>
+            </a:fillRef>
+            <a:effectRef idx="0">
+              <a:schemeClr val="accent1"/>
+            </a:effectRef>
+            <a:fontRef idx="minor">
+              <a:schemeClr val="lt1"/>
+            </a:fontRef>
+          </p:style>
+          <p:txBody>
+            <a:bodyPr rtlCol="0" anchor="ctr"/>
+            <a:lstStyle/>
+            <a:p>
+              <a:pPr algn="ctr"/>
+              <a:endParaRPr lang="en-US"/>
+            </a:p>
+          </p:txBody>
+        </p:sp>
+        <p:cxnSp>
+          <p:nvCxnSpPr>
+            <p:cNvPr id="75" name="Straight Connector 74">
+              <a:extLst>
+                <a:ext uri="{FF2B5EF4-FFF2-40B4-BE49-F238E27FC236}">
+                  <a16:creationId xmlns:a16="http://schemas.microsoft.com/office/drawing/2014/main" id="{65B1C37F-20F1-CF48-BF43-0C2E859FA7D1}"/>
+                </a:ext>
+              </a:extLst>
+            </p:cNvPr>
+            <p:cNvCxnSpPr>
+              <a:cxnSpLocks/>
+            </p:cNvCxnSpPr>
+            <p:nvPr/>
+          </p:nvCxnSpPr>
+          <p:spPr>
+            <a:xfrm flipH="1">
+              <a:off x="2103795" y="3951093"/>
+              <a:ext cx="68264" cy="42944"/>
+            </a:xfrm>
+            <a:prstGeom prst="line">
+              <a:avLst/>
+            </a:prstGeom>
+            <a:ln w="3175"/>
+          </p:spPr>
+          <p:style>
+            <a:lnRef idx="1">
+              <a:schemeClr val="dk1"/>
+            </a:lnRef>
+            <a:fillRef idx="0">
+              <a:schemeClr val="dk1"/>
+            </a:fillRef>
+            <a:effectRef idx="0">
+              <a:schemeClr val="dk1"/>
+            </a:effectRef>
+            <a:fontRef idx="minor">
+              <a:schemeClr val="tx1"/>
+            </a:fontRef>
+          </p:style>
+        </p:cxnSp>
+        <p:cxnSp>
+          <p:nvCxnSpPr>
+            <p:cNvPr id="76" name="Straight Connector 75">
+              <a:extLst>
+                <a:ext uri="{FF2B5EF4-FFF2-40B4-BE49-F238E27FC236}">
+                  <a16:creationId xmlns:a16="http://schemas.microsoft.com/office/drawing/2014/main" id="{CB2AF91D-E218-3AD1-58D4-102E1C29E36E}"/>
+                </a:ext>
+              </a:extLst>
+            </p:cNvPr>
+            <p:cNvCxnSpPr>
+              <a:cxnSpLocks/>
+            </p:cNvCxnSpPr>
+            <p:nvPr/>
+          </p:nvCxnSpPr>
+          <p:spPr>
+            <a:xfrm flipH="1" flipV="1">
+              <a:off x="2106969" y="3994738"/>
+              <a:ext cx="73153" cy="32700"/>
+            </a:xfrm>
+            <a:prstGeom prst="line">
+              <a:avLst/>
+            </a:prstGeom>
+            <a:ln w="3175"/>
+          </p:spPr>
+          <p:style>
+            <a:lnRef idx="1">
+              <a:schemeClr val="dk1"/>
+            </a:lnRef>
+            <a:fillRef idx="0">
+              <a:schemeClr val="dk1"/>
+            </a:fillRef>
+            <a:effectRef idx="0">
+              <a:schemeClr val="dk1"/>
+            </a:effectRef>
+            <a:fontRef idx="minor">
+              <a:schemeClr val="tx1"/>
+            </a:fontRef>
+          </p:style>
+        </p:cxnSp>
+        <p:sp>
+          <p:nvSpPr>
+            <p:cNvPr id="77" name="Rectangle 76">
+              <a:extLst>
+                <a:ext uri="{FF2B5EF4-FFF2-40B4-BE49-F238E27FC236}">
+                  <a16:creationId xmlns:a16="http://schemas.microsoft.com/office/drawing/2014/main" id="{27A26A9E-3271-66D4-7F1F-C06BF9E93516}"/>
+                </a:ext>
+              </a:extLst>
+            </p:cNvPr>
+            <p:cNvSpPr/>
+            <p:nvPr/>
+          </p:nvSpPr>
+          <p:spPr>
+            <a:xfrm>
+              <a:off x="2178285" y="3951110"/>
+              <a:ext cx="146304" cy="73152"/>
+            </a:xfrm>
+            <a:prstGeom prst="rect">
+              <a:avLst/>
+            </a:prstGeom>
+            <a:solidFill>
+              <a:srgbClr val="CCCCCC"/>
+            </a:solidFill>
+            <a:ln>
+              <a:noFill/>
+            </a:ln>
+          </p:spPr>
+          <p:style>
+            <a:lnRef idx="2">
+              <a:schemeClr val="accent1">
+                <a:shade val="15000"/>
+              </a:schemeClr>
+            </a:lnRef>
+            <a:fillRef idx="1">
+              <a:schemeClr val="accent1"/>
+            </a:fillRef>
+            <a:effectRef idx="0">
+              <a:schemeClr val="accent1"/>
+            </a:effectRef>
+            <a:fontRef idx="minor">
+              <a:schemeClr val="lt1"/>
+            </a:fontRef>
+          </p:style>
+          <p:txBody>
+            <a:bodyPr rtlCol="0" anchor="ctr"/>
+            <a:lstStyle/>
+            <a:p>
+              <a:pPr algn="ctr"/>
+              <a:endParaRPr lang="en-US"/>
+            </a:p>
+          </p:txBody>
+        </p:sp>
+        <p:cxnSp>
+          <p:nvCxnSpPr>
+            <p:cNvPr id="78" name="Straight Connector 77">
+              <a:extLst>
+                <a:ext uri="{FF2B5EF4-FFF2-40B4-BE49-F238E27FC236}">
+                  <a16:creationId xmlns:a16="http://schemas.microsoft.com/office/drawing/2014/main" id="{F605E79D-B0ED-3E17-92DB-30B80172C1CF}"/>
+                </a:ext>
+              </a:extLst>
+            </p:cNvPr>
+            <p:cNvCxnSpPr>
+              <a:cxnSpLocks/>
+            </p:cNvCxnSpPr>
+            <p:nvPr/>
+          </p:nvCxnSpPr>
+          <p:spPr>
+            <a:xfrm flipH="1">
+              <a:off x="2170970" y="3952689"/>
+              <a:ext cx="164592" cy="0"/>
+            </a:xfrm>
+            <a:prstGeom prst="line">
+              <a:avLst/>
+            </a:prstGeom>
+            <a:ln w="3175"/>
+          </p:spPr>
+          <p:style>
+            <a:lnRef idx="1">
+              <a:schemeClr val="dk1"/>
+            </a:lnRef>
+            <a:fillRef idx="0">
+              <a:schemeClr val="dk1"/>
+            </a:fillRef>
+            <a:effectRef idx="0">
+              <a:schemeClr val="dk1"/>
+            </a:effectRef>
+            <a:fontRef idx="minor">
+              <a:schemeClr val="tx1"/>
+            </a:fontRef>
+          </p:style>
+        </p:cxnSp>
+        <p:cxnSp>
+          <p:nvCxnSpPr>
+            <p:cNvPr id="79" name="Straight Connector 78">
+              <a:extLst>
+                <a:ext uri="{FF2B5EF4-FFF2-40B4-BE49-F238E27FC236}">
+                  <a16:creationId xmlns:a16="http://schemas.microsoft.com/office/drawing/2014/main" id="{0010F0F7-6BA5-3490-B917-CD4D6AF0E529}"/>
+                </a:ext>
+              </a:extLst>
+            </p:cNvPr>
+            <p:cNvCxnSpPr>
+              <a:cxnSpLocks/>
+            </p:cNvCxnSpPr>
+            <p:nvPr/>
+          </p:nvCxnSpPr>
+          <p:spPr>
+            <a:xfrm flipH="1">
+              <a:off x="2177320" y="4025714"/>
+              <a:ext cx="164592" cy="0"/>
+            </a:xfrm>
+            <a:prstGeom prst="line">
+              <a:avLst/>
+            </a:prstGeom>
+            <a:ln w="3175"/>
+          </p:spPr>
+          <p:style>
+            <a:lnRef idx="1">
+              <a:schemeClr val="dk1"/>
+            </a:lnRef>
+            <a:fillRef idx="0">
+              <a:schemeClr val="dk1"/>
+            </a:fillRef>
+            <a:effectRef idx="0">
+              <a:schemeClr val="dk1"/>
+            </a:effectRef>
+            <a:fontRef idx="minor">
+              <a:schemeClr val="tx1"/>
+            </a:fontRef>
+          </p:style>
+        </p:cxnSp>
+      </p:grpSp>
+      <p:grpSp>
+        <p:nvGrpSpPr>
+          <p:cNvPr id="82" name="Group 81">
+            <a:extLst>
+              <a:ext uri="{FF2B5EF4-FFF2-40B4-BE49-F238E27FC236}">
+                <a16:creationId xmlns:a16="http://schemas.microsoft.com/office/drawing/2014/main" id="{0FAA35F9-1E51-6377-24AF-53C7937FA5F0}"/>
+              </a:ext>
+            </a:extLst>
+          </p:cNvPr>
+          <p:cNvGrpSpPr/>
+          <p:nvPr/>
+        </p:nvGrpSpPr>
+        <p:grpSpPr>
+          <a:xfrm>
+            <a:off x="1634253" y="7579686"/>
+            <a:ext cx="642308" cy="103324"/>
+            <a:chOff x="1700569" y="3949514"/>
+            <a:chExt cx="642308" cy="103324"/>
+          </a:xfrm>
+        </p:grpSpPr>
+        <p:sp>
+          <p:nvSpPr>
+            <p:cNvPr id="83" name="Triangle 82">
+              <a:extLst>
+                <a:ext uri="{FF2B5EF4-FFF2-40B4-BE49-F238E27FC236}">
+                  <a16:creationId xmlns:a16="http://schemas.microsoft.com/office/drawing/2014/main" id="{918E8B43-1A76-5E76-427B-DCFFC1205D85}"/>
+                </a:ext>
+              </a:extLst>
+            </p:cNvPr>
+            <p:cNvSpPr/>
+            <p:nvPr/>
+          </p:nvSpPr>
+          <p:spPr>
+            <a:xfrm rot="16200000">
+              <a:off x="1690029" y="3965970"/>
+              <a:ext cx="100584" cy="73152"/>
+            </a:xfrm>
+            <a:prstGeom prst="triangle">
+              <a:avLst/>
+            </a:prstGeom>
+            <a:solidFill>
+              <a:srgbClr val="CCCCCC"/>
+            </a:solidFill>
+            <a:ln w="3175">
+              <a:noFill/>
+            </a:ln>
+          </p:spPr>
+          <p:style>
+            <a:lnRef idx="2">
+              <a:schemeClr val="accent1">
+                <a:shade val="15000"/>
+              </a:schemeClr>
+            </a:lnRef>
+            <a:fillRef idx="1">
+              <a:schemeClr val="accent1"/>
+            </a:fillRef>
+            <a:effectRef idx="0">
+              <a:schemeClr val="accent1"/>
+            </a:effectRef>
+            <a:fontRef idx="minor">
+              <a:schemeClr val="lt1"/>
+            </a:fontRef>
+          </p:style>
+          <p:txBody>
+            <a:bodyPr rtlCol="0" anchor="ctr"/>
+            <a:lstStyle/>
+            <a:p>
+              <a:pPr algn="ctr"/>
+              <a:endParaRPr lang="en-US"/>
+            </a:p>
+          </p:txBody>
+        </p:sp>
+        <p:cxnSp>
+          <p:nvCxnSpPr>
+            <p:cNvPr id="84" name="Straight Connector 83">
+              <a:extLst>
+                <a:ext uri="{FF2B5EF4-FFF2-40B4-BE49-F238E27FC236}">
+                  <a16:creationId xmlns:a16="http://schemas.microsoft.com/office/drawing/2014/main" id="{B9D89E10-8620-7297-FF24-0F135F37B7E5}"/>
+                </a:ext>
+              </a:extLst>
+            </p:cNvPr>
+            <p:cNvCxnSpPr>
+              <a:cxnSpLocks/>
+              <a:endCxn id="83" idx="0"/>
+            </p:cNvCxnSpPr>
+            <p:nvPr/>
+          </p:nvCxnSpPr>
+          <p:spPr>
+            <a:xfrm flipH="1">
+              <a:off x="1703745" y="3951093"/>
+              <a:ext cx="71439" cy="51453"/>
+            </a:xfrm>
+            <a:prstGeom prst="line">
+              <a:avLst/>
+            </a:prstGeom>
+            <a:ln w="3175"/>
+          </p:spPr>
+          <p:style>
+            <a:lnRef idx="1">
+              <a:schemeClr val="dk1"/>
+            </a:lnRef>
+            <a:fillRef idx="0">
+              <a:schemeClr val="dk1"/>
+            </a:fillRef>
+            <a:effectRef idx="0">
+              <a:schemeClr val="dk1"/>
+            </a:effectRef>
+            <a:fontRef idx="minor">
+              <a:schemeClr val="tx1"/>
+            </a:fontRef>
+          </p:style>
+        </p:cxnSp>
+        <p:cxnSp>
+          <p:nvCxnSpPr>
+            <p:cNvPr id="85" name="Straight Connector 84">
+              <a:extLst>
+                <a:ext uri="{FF2B5EF4-FFF2-40B4-BE49-F238E27FC236}">
+                  <a16:creationId xmlns:a16="http://schemas.microsoft.com/office/drawing/2014/main" id="{5C173821-5CE0-AA40-39CC-09CCBD0DADFB}"/>
+                </a:ext>
+              </a:extLst>
+            </p:cNvPr>
+            <p:cNvCxnSpPr>
+              <a:cxnSpLocks/>
+              <a:stCxn id="83" idx="2"/>
+            </p:cNvCxnSpPr>
+            <p:nvPr/>
+          </p:nvCxnSpPr>
+          <p:spPr>
+            <a:xfrm flipH="1" flipV="1">
+              <a:off x="1700569" y="4004263"/>
+              <a:ext cx="76328" cy="48575"/>
+            </a:xfrm>
+            <a:prstGeom prst="line">
+              <a:avLst/>
+            </a:prstGeom>
+            <a:ln w="3175"/>
+          </p:spPr>
+          <p:style>
+            <a:lnRef idx="1">
+              <a:schemeClr val="dk1"/>
+            </a:lnRef>
+            <a:fillRef idx="0">
+              <a:schemeClr val="dk1"/>
+            </a:fillRef>
+            <a:effectRef idx="0">
+              <a:schemeClr val="dk1"/>
+            </a:effectRef>
+            <a:fontRef idx="minor">
+              <a:schemeClr val="tx1"/>
+            </a:fontRef>
+          </p:style>
+        </p:cxnSp>
+        <p:sp>
+          <p:nvSpPr>
+            <p:cNvPr id="87" name="Rectangle 86">
+              <a:extLst>
+                <a:ext uri="{FF2B5EF4-FFF2-40B4-BE49-F238E27FC236}">
+                  <a16:creationId xmlns:a16="http://schemas.microsoft.com/office/drawing/2014/main" id="{701DAC41-6E5D-1A51-EADD-1F80EBEFAAB2}"/>
+                </a:ext>
+              </a:extLst>
+            </p:cNvPr>
+            <p:cNvSpPr/>
+            <p:nvPr/>
+          </p:nvSpPr>
+          <p:spPr>
+            <a:xfrm>
+              <a:off x="1775184" y="3951110"/>
+              <a:ext cx="567693" cy="100584"/>
+            </a:xfrm>
+            <a:prstGeom prst="rect">
+              <a:avLst/>
+            </a:prstGeom>
+            <a:solidFill>
+              <a:srgbClr val="CCCCCC"/>
+            </a:solidFill>
+            <a:ln>
+              <a:noFill/>
+            </a:ln>
+          </p:spPr>
+          <p:style>
+            <a:lnRef idx="2">
+              <a:schemeClr val="accent1">
+                <a:shade val="15000"/>
+              </a:schemeClr>
+            </a:lnRef>
+            <a:fillRef idx="1">
+              <a:schemeClr val="accent1"/>
+            </a:fillRef>
+            <a:effectRef idx="0">
+              <a:schemeClr val="accent1"/>
+            </a:effectRef>
+            <a:fontRef idx="minor">
+              <a:schemeClr val="lt1"/>
+            </a:fontRef>
+          </p:style>
+          <p:txBody>
+            <a:bodyPr rtlCol="0" anchor="ctr"/>
+            <a:lstStyle/>
+            <a:p>
+              <a:pPr algn="ctr"/>
+              <a:endParaRPr lang="en-US"/>
+            </a:p>
+          </p:txBody>
+        </p:sp>
+        <p:cxnSp>
+          <p:nvCxnSpPr>
+            <p:cNvPr id="88" name="Straight Connector 87">
+              <a:extLst>
+                <a:ext uri="{FF2B5EF4-FFF2-40B4-BE49-F238E27FC236}">
+                  <a16:creationId xmlns:a16="http://schemas.microsoft.com/office/drawing/2014/main" id="{A6732129-0EA5-A5B5-56BF-42921802C0E3}"/>
+                </a:ext>
+              </a:extLst>
+            </p:cNvPr>
+            <p:cNvCxnSpPr>
+              <a:cxnSpLocks/>
+              <a:endCxn id="83" idx="4"/>
+            </p:cNvCxnSpPr>
+            <p:nvPr/>
+          </p:nvCxnSpPr>
+          <p:spPr>
+            <a:xfrm flipH="1">
+              <a:off x="1776897" y="3949514"/>
+              <a:ext cx="558665" cy="2740"/>
+            </a:xfrm>
+            <a:prstGeom prst="line">
+              <a:avLst/>
+            </a:prstGeom>
+            <a:ln w="3175"/>
+          </p:spPr>
+          <p:style>
+            <a:lnRef idx="1">
+              <a:schemeClr val="dk1"/>
+            </a:lnRef>
+            <a:fillRef idx="0">
+              <a:schemeClr val="dk1"/>
+            </a:fillRef>
+            <a:effectRef idx="0">
+              <a:schemeClr val="dk1"/>
+            </a:effectRef>
+            <a:fontRef idx="minor">
+              <a:schemeClr val="tx1"/>
+            </a:fontRef>
+          </p:style>
+        </p:cxnSp>
+        <p:cxnSp>
+          <p:nvCxnSpPr>
+            <p:cNvPr id="89" name="Straight Connector 88">
+              <a:extLst>
+                <a:ext uri="{FF2B5EF4-FFF2-40B4-BE49-F238E27FC236}">
+                  <a16:creationId xmlns:a16="http://schemas.microsoft.com/office/drawing/2014/main" id="{31C94FD3-5776-9853-FE46-CA1FE53CE8C0}"/>
+                </a:ext>
+              </a:extLst>
+            </p:cNvPr>
+            <p:cNvCxnSpPr>
+              <a:cxnSpLocks/>
+              <a:endCxn id="83" idx="2"/>
+            </p:cNvCxnSpPr>
+            <p:nvPr/>
+          </p:nvCxnSpPr>
+          <p:spPr>
+            <a:xfrm flipH="1">
+              <a:off x="1776897" y="4047939"/>
+              <a:ext cx="565015" cy="4899"/>
+            </a:xfrm>
+            <a:prstGeom prst="line">
+              <a:avLst/>
+            </a:prstGeom>
+            <a:ln w="3175"/>
+          </p:spPr>
+          <p:style>
+            <a:lnRef idx="1">
+              <a:schemeClr val="dk1"/>
+            </a:lnRef>
+            <a:fillRef idx="0">
+              <a:schemeClr val="dk1"/>
+            </a:fillRef>
+            <a:effectRef idx="0">
+              <a:schemeClr val="dk1"/>
+            </a:effectRef>
+            <a:fontRef idx="minor">
+              <a:schemeClr val="tx1"/>
+            </a:fontRef>
+          </p:style>
+        </p:cxnSp>
+      </p:grpSp>
+      <p:pic>
+        <p:nvPicPr>
+          <p:cNvPr id="97" name="Picture 96" descr="A white object with a black line&#10;&#10;Description automatically generated with medium confidence">
+            <a:extLst>
+              <a:ext uri="{FF2B5EF4-FFF2-40B4-BE49-F238E27FC236}">
+                <a16:creationId xmlns:a16="http://schemas.microsoft.com/office/drawing/2014/main" id="{FE4FB159-B84E-E781-7DBF-2EFD2363F067}"/>
+              </a:ext>
+            </a:extLst>
+          </p:cNvPr>
+          <p:cNvPicPr>
+            <a:picLocks noChangeAspect="1"/>
+          </p:cNvPicPr>
+          <p:nvPr/>
+        </p:nvPicPr>
+        <p:blipFill>
+          <a:blip r:embed="rId32"/>
+          <a:stretch>
+            <a:fillRect/>
+          </a:stretch>
+        </p:blipFill>
+        <p:spPr>
+          <a:xfrm flipH="1">
+            <a:off x="2221083" y="5916225"/>
+            <a:ext cx="81160" cy="457200"/>
           </a:xfrm>
           <a:prstGeom prst="rect">
             <a:avLst/>
